--- a/ppt/Stats High Dim.pptx
+++ b/ppt/Stats High Dim.pptx
@@ -8,13 +8,15 @@
     <p:sldId id="256" r:id="rId2"/>
     <p:sldId id="263" r:id="rId3"/>
     <p:sldId id="257" r:id="rId4"/>
-    <p:sldId id="261" r:id="rId5"/>
-    <p:sldId id="260" r:id="rId6"/>
-    <p:sldId id="265" r:id="rId7"/>
-    <p:sldId id="264" r:id="rId8"/>
-    <p:sldId id="258" r:id="rId9"/>
-    <p:sldId id="259" r:id="rId10"/>
-    <p:sldId id="262" r:id="rId11"/>
+    <p:sldId id="267" r:id="rId5"/>
+    <p:sldId id="261" r:id="rId6"/>
+    <p:sldId id="260" r:id="rId7"/>
+    <p:sldId id="265" r:id="rId8"/>
+    <p:sldId id="264" r:id="rId9"/>
+    <p:sldId id="258" r:id="rId10"/>
+    <p:sldId id="259" r:id="rId11"/>
+    <p:sldId id="262" r:id="rId12"/>
+    <p:sldId id="266" r:id="rId13"/>
   </p:sldIdLst>
   <p:sldSz cx="12192000" cy="6858000"/>
   <p:notesSz cx="6858000" cy="9144000"/>
@@ -279,7 +281,7 @@
           <a:p>
             <a:fld id="{23B319D5-7D6D-44EA-8859-D10B2847F58C}" type="datetimeFigureOut">
               <a:rPr lang="en-US" smtClean="0"/>
-              <a:t>12/3/2024</a:t>
+              <a:t>12/4/2024</a:t>
             </a:fld>
             <a:endParaRPr lang="en-US"/>
           </a:p>
@@ -477,7 +479,7 @@
           <a:p>
             <a:fld id="{23B319D5-7D6D-44EA-8859-D10B2847F58C}" type="datetimeFigureOut">
               <a:rPr lang="en-US" smtClean="0"/>
-              <a:t>12/3/2024</a:t>
+              <a:t>12/4/2024</a:t>
             </a:fld>
             <a:endParaRPr lang="en-US"/>
           </a:p>
@@ -685,7 +687,7 @@
           <a:p>
             <a:fld id="{23B319D5-7D6D-44EA-8859-D10B2847F58C}" type="datetimeFigureOut">
               <a:rPr lang="en-US" smtClean="0"/>
-              <a:t>12/3/2024</a:t>
+              <a:t>12/4/2024</a:t>
             </a:fld>
             <a:endParaRPr lang="en-US"/>
           </a:p>
@@ -883,7 +885,7 @@
           <a:p>
             <a:fld id="{23B319D5-7D6D-44EA-8859-D10B2847F58C}" type="datetimeFigureOut">
               <a:rPr lang="en-US" smtClean="0"/>
-              <a:t>12/3/2024</a:t>
+              <a:t>12/4/2024</a:t>
             </a:fld>
             <a:endParaRPr lang="en-US"/>
           </a:p>
@@ -1158,7 +1160,7 @@
           <a:p>
             <a:fld id="{23B319D5-7D6D-44EA-8859-D10B2847F58C}" type="datetimeFigureOut">
               <a:rPr lang="en-US" smtClean="0"/>
-              <a:t>12/3/2024</a:t>
+              <a:t>12/4/2024</a:t>
             </a:fld>
             <a:endParaRPr lang="en-US"/>
           </a:p>
@@ -1423,7 +1425,7 @@
           <a:p>
             <a:fld id="{23B319D5-7D6D-44EA-8859-D10B2847F58C}" type="datetimeFigureOut">
               <a:rPr lang="en-US" smtClean="0"/>
-              <a:t>12/3/2024</a:t>
+              <a:t>12/4/2024</a:t>
             </a:fld>
             <a:endParaRPr lang="en-US"/>
           </a:p>
@@ -1835,7 +1837,7 @@
           <a:p>
             <a:fld id="{23B319D5-7D6D-44EA-8859-D10B2847F58C}" type="datetimeFigureOut">
               <a:rPr lang="en-US" smtClean="0"/>
-              <a:t>12/3/2024</a:t>
+              <a:t>12/4/2024</a:t>
             </a:fld>
             <a:endParaRPr lang="en-US"/>
           </a:p>
@@ -1976,7 +1978,7 @@
           <a:p>
             <a:fld id="{23B319D5-7D6D-44EA-8859-D10B2847F58C}" type="datetimeFigureOut">
               <a:rPr lang="en-US" smtClean="0"/>
-              <a:t>12/3/2024</a:t>
+              <a:t>12/4/2024</a:t>
             </a:fld>
             <a:endParaRPr lang="en-US"/>
           </a:p>
@@ -2089,7 +2091,7 @@
           <a:p>
             <a:fld id="{23B319D5-7D6D-44EA-8859-D10B2847F58C}" type="datetimeFigureOut">
               <a:rPr lang="en-US" smtClean="0"/>
-              <a:t>12/3/2024</a:t>
+              <a:t>12/4/2024</a:t>
             </a:fld>
             <a:endParaRPr lang="en-US"/>
           </a:p>
@@ -2400,7 +2402,7 @@
           <a:p>
             <a:fld id="{23B319D5-7D6D-44EA-8859-D10B2847F58C}" type="datetimeFigureOut">
               <a:rPr lang="en-US" smtClean="0"/>
-              <a:t>12/3/2024</a:t>
+              <a:t>12/4/2024</a:t>
             </a:fld>
             <a:endParaRPr lang="en-US"/>
           </a:p>
@@ -2688,7 +2690,7 @@
           <a:p>
             <a:fld id="{23B319D5-7D6D-44EA-8859-D10B2847F58C}" type="datetimeFigureOut">
               <a:rPr lang="en-US" smtClean="0"/>
-              <a:t>12/3/2024</a:t>
+              <a:t>12/4/2024</a:t>
             </a:fld>
             <a:endParaRPr lang="en-US"/>
           </a:p>
@@ -2929,7 +2931,7 @@
           <a:p>
             <a:fld id="{23B319D5-7D6D-44EA-8859-D10B2847F58C}" type="datetimeFigureOut">
               <a:rPr lang="en-US" smtClean="0"/>
-              <a:t>12/3/2024</a:t>
+              <a:t>12/4/2024</a:t>
             </a:fld>
             <a:endParaRPr lang="en-US"/>
           </a:p>
@@ -3423,6 +3425,182 @@
         <p:cNvPr id="1" name="">
           <a:extLst>
             <a:ext uri="{FF2B5EF4-FFF2-40B4-BE49-F238E27FC236}">
+              <a16:creationId xmlns:a16="http://schemas.microsoft.com/office/drawing/2014/main" id="{3C9C653B-DBD8-8793-028D-A0C91A47A244}"/>
+            </a:ext>
+          </a:extLst>
+        </p:cNvPr>
+        <p:cNvGrpSpPr/>
+        <p:nvPr/>
+      </p:nvGrpSpPr>
+      <p:grpSpPr>
+        <a:xfrm>
+          <a:off x="0" y="0"/>
+          <a:ext cx="0" cy="0"/>
+          <a:chOff x="0" y="0"/>
+          <a:chExt cx="0" cy="0"/>
+        </a:xfrm>
+      </p:grpSpPr>
+      <p:sp>
+        <p:nvSpPr>
+          <p:cNvPr id="2" name="Title 1">
+            <a:extLst>
+              <a:ext uri="{FF2B5EF4-FFF2-40B4-BE49-F238E27FC236}">
+                <a16:creationId xmlns:a16="http://schemas.microsoft.com/office/drawing/2014/main" id="{DA919B9D-9972-751A-CACE-40AC42C8B7E5}"/>
+              </a:ext>
+            </a:extLst>
+          </p:cNvPr>
+          <p:cNvSpPr>
+            <a:spLocks noGrp="1"/>
+          </p:cNvSpPr>
+          <p:nvPr>
+            <p:ph type="title"/>
+          </p:nvPr>
+        </p:nvSpPr>
+        <p:spPr/>
+        <p:txBody>
+          <a:bodyPr/>
+          <a:lstStyle/>
+          <a:p>
+            <a:r>
+              <a:rPr lang="en-US" dirty="0"/>
+              <a:t>GAM Results</a:t>
+            </a:r>
+          </a:p>
+        </p:txBody>
+      </p:sp>
+      <p:sp>
+        <p:nvSpPr>
+          <p:cNvPr id="4" name="Content Placeholder 2">
+            <a:extLst>
+              <a:ext uri="{FF2B5EF4-FFF2-40B4-BE49-F238E27FC236}">
+                <a16:creationId xmlns:a16="http://schemas.microsoft.com/office/drawing/2014/main" id="{F50B59D2-7691-B307-24A5-BD4C74BE9717}"/>
+              </a:ext>
+            </a:extLst>
+          </p:cNvPr>
+          <p:cNvSpPr>
+            <a:spLocks noGrp="1"/>
+          </p:cNvSpPr>
+          <p:nvPr>
+            <p:ph idx="1"/>
+          </p:nvPr>
+        </p:nvSpPr>
+        <p:spPr>
+          <a:xfrm>
+            <a:off x="838200" y="1825625"/>
+            <a:ext cx="5257800" cy="4351338"/>
+          </a:xfrm>
+        </p:spPr>
+        <p:txBody>
+          <a:bodyPr>
+            <a:normAutofit/>
+          </a:bodyPr>
+          <a:lstStyle/>
+          <a:p>
+            <a:r>
+              <a:rPr lang="en-US" sz="1800" dirty="0"/>
+              <a:t>Threshold: 0.25</a:t>
+            </a:r>
+          </a:p>
+          <a:p>
+            <a:r>
+              <a:rPr lang="en-US" sz="1800" dirty="0"/>
+              <a:t>Accuracy: 0.73</a:t>
+            </a:r>
+          </a:p>
+          <a:p>
+            <a:r>
+              <a:rPr lang="en-US" sz="1800" dirty="0"/>
+              <a:t>F1: 0.46</a:t>
+            </a:r>
+          </a:p>
+          <a:p>
+            <a:endParaRPr lang="en-US" sz="1800" dirty="0"/>
+          </a:p>
+          <a:p>
+            <a:endParaRPr lang="en-US" sz="1800" dirty="0"/>
+          </a:p>
+        </p:txBody>
+      </p:sp>
+      <p:pic>
+        <p:nvPicPr>
+          <p:cNvPr id="6" name="Picture 5">
+            <a:extLst>
+              <a:ext uri="{FF2B5EF4-FFF2-40B4-BE49-F238E27FC236}">
+                <a16:creationId xmlns:a16="http://schemas.microsoft.com/office/drawing/2014/main" id="{72B623DA-BDA4-B75C-ED90-A5E4E868330C}"/>
+              </a:ext>
+            </a:extLst>
+          </p:cNvPr>
+          <p:cNvPicPr>
+            <a:picLocks noChangeAspect="1"/>
+          </p:cNvPicPr>
+          <p:nvPr/>
+        </p:nvPicPr>
+        <p:blipFill>
+          <a:blip r:embed="rId2"/>
+          <a:stretch>
+            <a:fillRect/>
+          </a:stretch>
+        </p:blipFill>
+        <p:spPr>
+          <a:xfrm>
+            <a:off x="1133637" y="3112424"/>
+            <a:ext cx="4163023" cy="3602495"/>
+          </a:xfrm>
+          <a:prstGeom prst="rect">
+            <a:avLst/>
+          </a:prstGeom>
+        </p:spPr>
+      </p:pic>
+      <p:pic>
+        <p:nvPicPr>
+          <p:cNvPr id="8" name="Picture 7">
+            <a:extLst>
+              <a:ext uri="{FF2B5EF4-FFF2-40B4-BE49-F238E27FC236}">
+                <a16:creationId xmlns:a16="http://schemas.microsoft.com/office/drawing/2014/main" id="{26E2B4EC-BBD6-8017-84C5-3AAACB1A2829}"/>
+              </a:ext>
+            </a:extLst>
+          </p:cNvPr>
+          <p:cNvPicPr>
+            <a:picLocks noChangeAspect="1"/>
+          </p:cNvPicPr>
+          <p:nvPr/>
+        </p:nvPicPr>
+        <p:blipFill>
+          <a:blip r:embed="rId3"/>
+          <a:srcRect b="6019"/>
+          <a:stretch/>
+        </p:blipFill>
+        <p:spPr>
+          <a:xfrm>
+            <a:off x="5592097" y="584280"/>
+            <a:ext cx="6405134" cy="5256081"/>
+          </a:xfrm>
+          <a:prstGeom prst="rect">
+            <a:avLst/>
+          </a:prstGeom>
+        </p:spPr>
+      </p:pic>
+    </p:spTree>
+    <p:extLst>
+      <p:ext uri="{BB962C8B-B14F-4D97-AF65-F5344CB8AC3E}">
+        <p14:creationId xmlns:p14="http://schemas.microsoft.com/office/powerpoint/2010/main" val="2692239016"/>
+      </p:ext>
+    </p:extLst>
+  </p:cSld>
+  <p:clrMapOvr>
+    <a:masterClrMapping/>
+  </p:clrMapOvr>
+</p:sld>
+</file>
+
+<file path=ppt/slides/slide11.xml><?xml version="1.0" encoding="utf-8"?>
+<p:sld xmlns:a="http://schemas.openxmlformats.org/drawingml/2006/main" xmlns:r="http://schemas.openxmlformats.org/officeDocument/2006/relationships" xmlns:p="http://schemas.openxmlformats.org/presentationml/2006/main">
+  <p:cSld>
+    <p:spTree>
+      <p:nvGrpSpPr>
+        <p:cNvPr id="1" name="">
+          <a:extLst>
+            <a:ext uri="{FF2B5EF4-FFF2-40B4-BE49-F238E27FC236}">
               <a16:creationId xmlns:a16="http://schemas.microsoft.com/office/drawing/2014/main" id="{F3001B59-C4E4-2989-A0B7-32BE60F91DBE}"/>
             </a:ext>
           </a:extLst>
@@ -3660,12 +3838,6 @@
           <a:p>
             <a:r>
               <a:rPr lang="en-US" sz="1800" dirty="0"/>
-              <a:t>Threshold: 0.25</a:t>
-            </a:r>
-          </a:p>
-          <a:p>
-            <a:r>
-              <a:rPr lang="en-US" sz="1800" dirty="0"/>
               <a:t>Accuracy: 0.80</a:t>
             </a:r>
           </a:p>
@@ -3756,7 +3928,7 @@
 </p:sld>
 </file>
 
-<file path=ppt/slides/slide2.xml><?xml version="1.0" encoding="utf-8"?>
+<file path=ppt/slides/slide12.xml><?xml version="1.0" encoding="utf-8"?>
 <p:sld xmlns:a="http://schemas.openxmlformats.org/drawingml/2006/main" xmlns:r="http://schemas.openxmlformats.org/officeDocument/2006/relationships" xmlns:p="http://schemas.openxmlformats.org/presentationml/2006/main">
   <p:cSld>
     <p:spTree>
@@ -3764,7 +3936,7 @@
         <p:cNvPr id="1" name="">
           <a:extLst>
             <a:ext uri="{FF2B5EF4-FFF2-40B4-BE49-F238E27FC236}">
-              <a16:creationId xmlns:a16="http://schemas.microsoft.com/office/drawing/2014/main" id="{65A88AA0-2AEC-41B7-26DB-15EE2C12CC08}"/>
+              <a16:creationId xmlns:a16="http://schemas.microsoft.com/office/drawing/2014/main" id="{D6EC28E1-9A67-8D32-E76B-1C075E8C99AE}"/>
             </a:ext>
           </a:extLst>
         </p:cNvPr>
@@ -3784,7 +3956,7 @@
           <p:cNvPr id="2" name="Title 1">
             <a:extLst>
               <a:ext uri="{FF2B5EF4-FFF2-40B4-BE49-F238E27FC236}">
-                <a16:creationId xmlns:a16="http://schemas.microsoft.com/office/drawing/2014/main" id="{0C35B6CF-A85C-F521-8519-FA494C3A68D0}"/>
+                <a16:creationId xmlns:a16="http://schemas.microsoft.com/office/drawing/2014/main" id="{262AE02E-68BA-AF18-A1C1-D9481B81A3D9}"/>
               </a:ext>
             </a:extLst>
           </p:cNvPr>
@@ -3801,721 +3973,33 @@
           <a:lstStyle/>
           <a:p>
             <a:r>
+              <a:rPr lang="en-US" dirty="0" err="1"/>
+              <a:t>XGBoost</a:t>
+            </a:r>
+            <a:r>
               <a:rPr lang="en-US" dirty="0"/>
-              <a:t>Tasks</a:t>
-            </a:r>
-          </a:p>
-        </p:txBody>
-      </p:sp>
-      <p:sp>
-        <p:nvSpPr>
-          <p:cNvPr id="3" name="Content Placeholder 2">
-            <a:extLst>
-              <a:ext uri="{FF2B5EF4-FFF2-40B4-BE49-F238E27FC236}">
-                <a16:creationId xmlns:a16="http://schemas.microsoft.com/office/drawing/2014/main" id="{9C1DD282-3AD4-7E42-0925-069ECCE5384A}"/>
-              </a:ext>
-            </a:extLst>
-          </p:cNvPr>
-          <p:cNvSpPr>
-            <a:spLocks noGrp="1"/>
-          </p:cNvSpPr>
-          <p:nvPr>
-            <p:ph idx="1"/>
-          </p:nvPr>
-        </p:nvSpPr>
-        <p:spPr/>
-        <p:txBody>
-          <a:bodyPr>
-            <a:normAutofit/>
-          </a:bodyPr>
-          <a:lstStyle/>
-          <a:p>
-            <a:r>
-              <a:rPr lang="en-US" sz="2400" dirty="0"/>
-              <a:t>Add Woe Binning</a:t>
-            </a:r>
-          </a:p>
-          <a:p>
-            <a:r>
-              <a:rPr lang="en-US" sz="2400" dirty="0"/>
-              <a:t>Add  Column City Population 2018</a:t>
-            </a:r>
-          </a:p>
-          <a:p>
-            <a:r>
-              <a:rPr lang="en-US" sz="2400" dirty="0"/>
-              <a:t>Add Column “</a:t>
-            </a:r>
-            <a:r>
-              <a:rPr lang="en-US" sz="2400" dirty="0" err="1"/>
-              <a:t>has_codebtor</a:t>
-            </a:r>
-            <a:r>
-              <a:rPr lang="en-US" sz="2400" dirty="0"/>
-              <a:t>”</a:t>
-            </a:r>
-          </a:p>
-          <a:p>
-            <a:r>
-              <a:rPr lang="en-US" sz="2400" dirty="0"/>
-              <a:t>Build function: </a:t>
-            </a:r>
-            <a:r>
-              <a:rPr lang="en-US" sz="1800" i="1" dirty="0" err="1">
-                <a:solidFill>
-                  <a:schemeClr val="tx2"/>
-                </a:solidFill>
-              </a:rPr>
-              <a:t>calculate_metrics</a:t>
-            </a:r>
-            <a:r>
-              <a:rPr lang="en-US" sz="1800" i="1" dirty="0">
-                <a:solidFill>
-                  <a:schemeClr val="tx2"/>
-                </a:solidFill>
-              </a:rPr>
-              <a:t> &lt;- function(</a:t>
-            </a:r>
-            <a:r>
-              <a:rPr lang="en-US" sz="1800" i="1" dirty="0" err="1">
-                <a:solidFill>
-                  <a:schemeClr val="tx2"/>
-                </a:solidFill>
-              </a:rPr>
-              <a:t>predicted_probs</a:t>
-            </a:r>
-            <a:r>
-              <a:rPr lang="en-US" sz="1800" i="1" dirty="0">
-                <a:solidFill>
-                  <a:schemeClr val="tx2"/>
-                </a:solidFill>
-              </a:rPr>
-              <a:t>, </a:t>
-            </a:r>
-            <a:r>
-              <a:rPr lang="en-US" sz="1800" i="1" dirty="0" err="1">
-                <a:solidFill>
-                  <a:schemeClr val="tx2"/>
-                </a:solidFill>
-              </a:rPr>
-              <a:t>actual_labels</a:t>
-            </a:r>
-            <a:r>
-              <a:rPr lang="en-US" sz="1800" i="1" dirty="0">
-                <a:solidFill>
-                  <a:schemeClr val="tx2"/>
-                </a:solidFill>
-              </a:rPr>
-              <a:t>, threshold = 0.5)</a:t>
-            </a:r>
-            <a:r>
-              <a:rPr lang="en-US" sz="2400" dirty="0"/>
-              <a:t>:</a:t>
-            </a:r>
-          </a:p>
-          <a:p>
-            <a:pPr lvl="1"/>
-            <a:r>
-              <a:rPr lang="en-US" sz="2000" dirty="0"/>
-              <a:t>Returns: </a:t>
-            </a:r>
-            <a:r>
-              <a:rPr lang="en-US" sz="2000" dirty="0" err="1"/>
-              <a:t>Precission</a:t>
-            </a:r>
-            <a:r>
-              <a:rPr lang="en-US" sz="2000" dirty="0"/>
-              <a:t>, Recall, F1, Accuracy</a:t>
-            </a:r>
-          </a:p>
-          <a:p>
-            <a:r>
-              <a:rPr lang="en-US" sz="2400" dirty="0"/>
-              <a:t>Build function </a:t>
-            </a:r>
-            <a:r>
-              <a:rPr lang="en-US" sz="1800" i="1" dirty="0" err="1">
-                <a:solidFill>
-                  <a:schemeClr val="tx2"/>
-                </a:solidFill>
-              </a:rPr>
-              <a:t>find_optimal_threshold</a:t>
-            </a:r>
-            <a:r>
-              <a:rPr lang="en-US" sz="1800" i="1" dirty="0">
-                <a:solidFill>
-                  <a:schemeClr val="tx2"/>
-                </a:solidFill>
-              </a:rPr>
-              <a:t> &lt;- function(</a:t>
-            </a:r>
-            <a:r>
-              <a:rPr lang="en-US" sz="1800" i="1" dirty="0" err="1">
-                <a:solidFill>
-                  <a:schemeClr val="tx2"/>
-                </a:solidFill>
-              </a:rPr>
-              <a:t>predicted_probs</a:t>
-            </a:r>
-            <a:r>
-              <a:rPr lang="en-US" sz="1800" i="1" dirty="0">
-                <a:solidFill>
-                  <a:schemeClr val="tx2"/>
-                </a:solidFill>
-              </a:rPr>
-              <a:t>, </a:t>
-            </a:r>
-            <a:r>
-              <a:rPr lang="en-US" sz="1800" i="1" dirty="0" err="1">
-                <a:solidFill>
-                  <a:schemeClr val="tx2"/>
-                </a:solidFill>
-              </a:rPr>
-              <a:t>actual_labels</a:t>
-            </a:r>
-            <a:r>
-              <a:rPr lang="en-US" sz="1800" i="1" dirty="0">
-                <a:solidFill>
-                  <a:schemeClr val="tx2"/>
-                </a:solidFill>
-              </a:rPr>
-              <a:t>, thresholds)</a:t>
-            </a:r>
-            <a:endParaRPr lang="en-US" sz="2400" i="1" dirty="0">
-              <a:solidFill>
-                <a:schemeClr val="tx2"/>
-              </a:solidFill>
-            </a:endParaRPr>
-          </a:p>
-          <a:p>
-            <a:pPr lvl="1"/>
-            <a:r>
-              <a:rPr lang="en-US" sz="2000" dirty="0"/>
-              <a:t>Returns: Optimal threshold based on max F1</a:t>
-            </a:r>
-          </a:p>
-          <a:p>
-            <a:r>
-              <a:rPr lang="en-US" sz="2400" dirty="0"/>
-              <a:t>Build </a:t>
-            </a:r>
-            <a:r>
-              <a:rPr lang="en-US" sz="1800" i="1" dirty="0" err="1">
-                <a:solidFill>
-                  <a:schemeClr val="tx2"/>
-                </a:solidFill>
-              </a:rPr>
-              <a:t>plot_metrics</a:t>
-            </a:r>
-            <a:r>
-              <a:rPr lang="en-US" sz="1800" i="1" dirty="0">
-                <a:solidFill>
-                  <a:schemeClr val="tx2"/>
-                </a:solidFill>
-              </a:rPr>
-              <a:t> &lt;- function(metrics): </a:t>
-            </a:r>
-            <a:r>
-              <a:rPr lang="en-US" sz="2400" dirty="0"/>
-              <a:t>plots previous curves</a:t>
-            </a:r>
-          </a:p>
-          <a:p>
-            <a:endParaRPr lang="en-US" sz="2400" dirty="0"/>
-          </a:p>
-          <a:p>
-            <a:endParaRPr lang="en-US" dirty="0"/>
-          </a:p>
-          <a:p>
-            <a:endParaRPr lang="en-US" dirty="0"/>
-          </a:p>
-          <a:p>
-            <a:endParaRPr lang="en-US" dirty="0"/>
-          </a:p>
-        </p:txBody>
-      </p:sp>
-    </p:spTree>
-    <p:extLst>
-      <p:ext uri="{BB962C8B-B14F-4D97-AF65-F5344CB8AC3E}">
-        <p14:creationId xmlns:p14="http://schemas.microsoft.com/office/powerpoint/2010/main" val="659005739"/>
-      </p:ext>
-    </p:extLst>
-  </p:cSld>
-  <p:clrMapOvr>
-    <a:masterClrMapping/>
-  </p:clrMapOvr>
-</p:sld>
-</file>
-
-<file path=ppt/slides/slide3.xml><?xml version="1.0" encoding="utf-8"?>
-<p:sld xmlns:a="http://schemas.openxmlformats.org/drawingml/2006/main" xmlns:r="http://schemas.openxmlformats.org/officeDocument/2006/relationships" xmlns:p="http://schemas.openxmlformats.org/presentationml/2006/main">
-  <p:cSld>
-    <p:spTree>
-      <p:nvGrpSpPr>
-        <p:cNvPr id="1" name=""/>
-        <p:cNvGrpSpPr/>
-        <p:nvPr/>
-      </p:nvGrpSpPr>
-      <p:grpSpPr>
-        <a:xfrm>
-          <a:off x="0" y="0"/>
-          <a:ext cx="0" cy="0"/>
-          <a:chOff x="0" y="0"/>
-          <a:chExt cx="0" cy="0"/>
-        </a:xfrm>
-      </p:grpSpPr>
-      <p:sp>
-        <p:nvSpPr>
-          <p:cNvPr id="2" name="Title 1">
-            <a:extLst>
-              <a:ext uri="{FF2B5EF4-FFF2-40B4-BE49-F238E27FC236}">
-                <a16:creationId xmlns:a16="http://schemas.microsoft.com/office/drawing/2014/main" id="{25052CFA-8665-9B80-A8A3-FA1BB12CD1AC}"/>
-              </a:ext>
-            </a:extLst>
-          </p:cNvPr>
-          <p:cNvSpPr>
-            <a:spLocks noGrp="1"/>
-          </p:cNvSpPr>
-          <p:nvPr>
-            <p:ph type="title"/>
-          </p:nvPr>
-        </p:nvSpPr>
-        <p:spPr/>
-        <p:txBody>
-          <a:bodyPr/>
-          <a:lstStyle/>
-          <a:p>
-            <a:r>
-              <a:rPr lang="en-US" dirty="0"/>
-              <a:t>Complexity – Interpretability Tradeoff</a:t>
-            </a:r>
-          </a:p>
-        </p:txBody>
-      </p:sp>
-      <p:sp>
-        <p:nvSpPr>
-          <p:cNvPr id="3" name="Content Placeholder 2">
-            <a:extLst>
-              <a:ext uri="{FF2B5EF4-FFF2-40B4-BE49-F238E27FC236}">
-                <a16:creationId xmlns:a16="http://schemas.microsoft.com/office/drawing/2014/main" id="{5A62AB61-FB28-658D-DB51-E631F14996B9}"/>
-              </a:ext>
-            </a:extLst>
-          </p:cNvPr>
-          <p:cNvSpPr>
-            <a:spLocks noGrp="1"/>
-          </p:cNvSpPr>
-          <p:nvPr>
-            <p:ph idx="1"/>
-          </p:nvPr>
-        </p:nvSpPr>
-        <p:spPr/>
-        <p:txBody>
-          <a:bodyPr/>
-          <a:lstStyle/>
-          <a:p>
-            <a:endParaRPr lang="en-US"/>
-          </a:p>
-        </p:txBody>
-      </p:sp>
-      <p:pic>
-        <p:nvPicPr>
-          <p:cNvPr id="5" name="Picture 4">
-            <a:extLst>
-              <a:ext uri="{FF2B5EF4-FFF2-40B4-BE49-F238E27FC236}">
-                <a16:creationId xmlns:a16="http://schemas.microsoft.com/office/drawing/2014/main" id="{D1F10348-5C03-4B19-379D-648E3DAAE2A0}"/>
-              </a:ext>
-            </a:extLst>
-          </p:cNvPr>
-          <p:cNvPicPr>
-            <a:picLocks noChangeAspect="1"/>
-          </p:cNvPicPr>
+              <a:t> Results</a:t>
+            </a:r>
+          </a:p>
+        </p:txBody>
+      </p:sp>
+      <p:sp>
+        <p:nvSpPr>
+          <p:cNvPr id="8" name="Content Placeholder 2">
+            <a:extLst>
+              <a:ext uri="{FF2B5EF4-FFF2-40B4-BE49-F238E27FC236}">
+                <a16:creationId xmlns:a16="http://schemas.microsoft.com/office/drawing/2014/main" id="{673E0B2C-9172-F511-A88A-0CE8A16C7A58}"/>
+              </a:ext>
+            </a:extLst>
+          </p:cNvPr>
+          <p:cNvSpPr txBox="1">
+            <a:spLocks/>
+          </p:cNvSpPr>
           <p:nvPr/>
-        </p:nvPicPr>
-        <p:blipFill>
-          <a:blip r:embed="rId2"/>
-          <a:stretch>
-            <a:fillRect/>
-          </a:stretch>
-        </p:blipFill>
-        <p:spPr>
-          <a:xfrm>
-            <a:off x="2554451" y="1783682"/>
-            <a:ext cx="6942422" cy="4435224"/>
-          </a:xfrm>
-          <a:prstGeom prst="rect">
-            <a:avLst/>
-          </a:prstGeom>
-        </p:spPr>
-      </p:pic>
-    </p:spTree>
-    <p:extLst>
-      <p:ext uri="{BB962C8B-B14F-4D97-AF65-F5344CB8AC3E}">
-        <p14:creationId xmlns:p14="http://schemas.microsoft.com/office/powerpoint/2010/main" val="1218907212"/>
-      </p:ext>
-    </p:extLst>
-  </p:cSld>
-  <p:clrMapOvr>
-    <a:masterClrMapping/>
-  </p:clrMapOvr>
-</p:sld>
-</file>
-
-<file path=ppt/slides/slide4.xml><?xml version="1.0" encoding="utf-8"?>
-<p:sld xmlns:a="http://schemas.openxmlformats.org/drawingml/2006/main" xmlns:r="http://schemas.openxmlformats.org/officeDocument/2006/relationships" xmlns:p="http://schemas.openxmlformats.org/presentationml/2006/main">
-  <p:cSld>
-    <p:spTree>
-      <p:nvGrpSpPr>
-        <p:cNvPr id="1" name=""/>
-        <p:cNvGrpSpPr/>
-        <p:nvPr/>
-      </p:nvGrpSpPr>
-      <p:grpSpPr>
-        <a:xfrm>
-          <a:off x="0" y="0"/>
-          <a:ext cx="0" cy="0"/>
-          <a:chOff x="0" y="0"/>
-          <a:chExt cx="0" cy="0"/>
-        </a:xfrm>
-      </p:grpSpPr>
-      <p:sp>
-        <p:nvSpPr>
-          <p:cNvPr id="2" name="Title 1">
-            <a:extLst>
-              <a:ext uri="{FF2B5EF4-FFF2-40B4-BE49-F238E27FC236}">
-                <a16:creationId xmlns:a16="http://schemas.microsoft.com/office/drawing/2014/main" id="{6B0183AB-472E-96F3-B70D-32C6F053E49A}"/>
-              </a:ext>
-            </a:extLst>
-          </p:cNvPr>
-          <p:cNvSpPr>
-            <a:spLocks noGrp="1"/>
-          </p:cNvSpPr>
-          <p:nvPr>
-            <p:ph type="title"/>
-          </p:nvPr>
-        </p:nvSpPr>
-        <p:spPr/>
-        <p:txBody>
-          <a:bodyPr/>
-          <a:lstStyle/>
-          <a:p>
-            <a:r>
-              <a:rPr lang="en-US" dirty="0"/>
-              <a:t>Binning</a:t>
-            </a:r>
-          </a:p>
-        </p:txBody>
-      </p:sp>
-      <p:sp>
-        <p:nvSpPr>
-          <p:cNvPr id="3" name="Content Placeholder 2">
-            <a:extLst>
-              <a:ext uri="{FF2B5EF4-FFF2-40B4-BE49-F238E27FC236}">
-                <a16:creationId xmlns:a16="http://schemas.microsoft.com/office/drawing/2014/main" id="{AC28987F-1D17-9888-20C0-D8E4A332F383}"/>
-              </a:ext>
-            </a:extLst>
-          </p:cNvPr>
-          <p:cNvSpPr>
-            <a:spLocks noGrp="1"/>
-          </p:cNvSpPr>
-          <p:nvPr>
-            <p:ph idx="1"/>
-          </p:nvPr>
-        </p:nvSpPr>
-        <p:spPr>
-          <a:xfrm>
-            <a:off x="838200" y="1453836"/>
-            <a:ext cx="10515600" cy="4351338"/>
-          </a:xfrm>
-        </p:spPr>
-        <p:txBody>
-          <a:bodyPr/>
-          <a:lstStyle/>
-          <a:p>
-            <a:r>
-              <a:rPr lang="en-US" dirty="0"/>
-              <a:t>Merge factors within variable</a:t>
-            </a:r>
-          </a:p>
-          <a:p>
-            <a:r>
-              <a:rPr lang="en-US" dirty="0"/>
-              <a:t>Package </a:t>
-            </a:r>
-            <a:r>
-              <a:rPr lang="en-US" dirty="0" err="1"/>
-              <a:t>woebinning</a:t>
-            </a:r>
-            <a:endParaRPr lang="en-US" dirty="0"/>
-          </a:p>
-        </p:txBody>
-      </p:sp>
-      <p:pic>
-        <p:nvPicPr>
-          <p:cNvPr id="5" name="Picture 4">
-            <a:extLst>
-              <a:ext uri="{FF2B5EF4-FFF2-40B4-BE49-F238E27FC236}">
-                <a16:creationId xmlns:a16="http://schemas.microsoft.com/office/drawing/2014/main" id="{30216770-E92E-5F8B-D13E-F0CC4C21E1B8}"/>
-              </a:ext>
-            </a:extLst>
-          </p:cNvPr>
-          <p:cNvPicPr>
-            <a:picLocks noChangeAspect="1"/>
-          </p:cNvPicPr>
-          <p:nvPr/>
-        </p:nvPicPr>
-        <p:blipFill>
-          <a:blip r:embed="rId2"/>
-          <a:stretch>
-            <a:fillRect/>
-          </a:stretch>
-        </p:blipFill>
-        <p:spPr>
-          <a:xfrm>
-            <a:off x="838200" y="2997085"/>
-            <a:ext cx="4461598" cy="3860915"/>
-          </a:xfrm>
-          <a:prstGeom prst="rect">
-            <a:avLst/>
-          </a:prstGeom>
-        </p:spPr>
-      </p:pic>
-      <p:sp>
-        <p:nvSpPr>
-          <p:cNvPr id="6" name="TextBox 5">
-            <a:extLst>
-              <a:ext uri="{FF2B5EF4-FFF2-40B4-BE49-F238E27FC236}">
-                <a16:creationId xmlns:a16="http://schemas.microsoft.com/office/drawing/2014/main" id="{95690AE0-ECE9-594F-C346-F8A174DA12A4}"/>
-              </a:ext>
-            </a:extLst>
-          </p:cNvPr>
-          <p:cNvSpPr txBox="1"/>
-          <p:nvPr/>
-        </p:nvSpPr>
-        <p:spPr>
-          <a:xfrm>
-            <a:off x="2258360" y="2512088"/>
-            <a:ext cx="1706365" cy="369332"/>
-          </a:xfrm>
-          <a:prstGeom prst="rect">
-            <a:avLst/>
-          </a:prstGeom>
-          <a:noFill/>
-        </p:spPr>
-        <p:txBody>
-          <a:bodyPr wrap="none" rtlCol="0">
-            <a:spAutoFit/>
-          </a:bodyPr>
-          <a:lstStyle/>
-          <a:p>
-            <a:r>
-              <a:rPr lang="en-US" b="1" dirty="0">
-                <a:solidFill>
-                  <a:schemeClr val="tx2"/>
-                </a:solidFill>
-              </a:rPr>
-              <a:t>Before Binning</a:t>
-            </a:r>
-          </a:p>
-        </p:txBody>
-      </p:sp>
-      <p:sp>
-        <p:nvSpPr>
-          <p:cNvPr id="8" name="TextBox 7">
-            <a:extLst>
-              <a:ext uri="{FF2B5EF4-FFF2-40B4-BE49-F238E27FC236}">
-                <a16:creationId xmlns:a16="http://schemas.microsoft.com/office/drawing/2014/main" id="{D39F418B-7CEC-A658-D538-6E1A5123B606}"/>
-              </a:ext>
-            </a:extLst>
-          </p:cNvPr>
-          <p:cNvSpPr txBox="1"/>
-          <p:nvPr/>
-        </p:nvSpPr>
-        <p:spPr>
-          <a:xfrm>
-            <a:off x="8401649" y="2512088"/>
-            <a:ext cx="1531958" cy="369332"/>
-          </a:xfrm>
-          <a:prstGeom prst="rect">
-            <a:avLst/>
-          </a:prstGeom>
-          <a:noFill/>
-        </p:spPr>
-        <p:txBody>
-          <a:bodyPr wrap="none" rtlCol="0">
-            <a:spAutoFit/>
-          </a:bodyPr>
-          <a:lstStyle/>
-          <a:p>
-            <a:r>
-              <a:rPr lang="en-US" b="1" dirty="0">
-                <a:solidFill>
-                  <a:schemeClr val="tx2"/>
-                </a:solidFill>
-              </a:rPr>
-              <a:t>After Binning</a:t>
-            </a:r>
-          </a:p>
-        </p:txBody>
-      </p:sp>
-      <p:pic>
-        <p:nvPicPr>
-          <p:cNvPr id="10" name="Picture 9">
-            <a:extLst>
-              <a:ext uri="{FF2B5EF4-FFF2-40B4-BE49-F238E27FC236}">
-                <a16:creationId xmlns:a16="http://schemas.microsoft.com/office/drawing/2014/main" id="{7BCDE5D0-33FE-5209-0212-57368B73B204}"/>
-              </a:ext>
-            </a:extLst>
-          </p:cNvPr>
-          <p:cNvPicPr>
-            <a:picLocks noChangeAspect="1"/>
-          </p:cNvPicPr>
-          <p:nvPr/>
-        </p:nvPicPr>
-        <p:blipFill>
-          <a:blip r:embed="rId3"/>
-          <a:stretch>
-            <a:fillRect/>
-          </a:stretch>
-        </p:blipFill>
-        <p:spPr>
-          <a:xfrm>
-            <a:off x="6892204" y="2997085"/>
-            <a:ext cx="4550849" cy="3708429"/>
-          </a:xfrm>
-          <a:prstGeom prst="rect">
-            <a:avLst/>
-          </a:prstGeom>
-        </p:spPr>
-      </p:pic>
-    </p:spTree>
-    <p:extLst>
-      <p:ext uri="{BB962C8B-B14F-4D97-AF65-F5344CB8AC3E}">
-        <p14:creationId xmlns:p14="http://schemas.microsoft.com/office/powerpoint/2010/main" val="2158546797"/>
-      </p:ext>
-    </p:extLst>
-  </p:cSld>
-  <p:clrMapOvr>
-    <a:masterClrMapping/>
-  </p:clrMapOvr>
-</p:sld>
-</file>
-
-<file path=ppt/slides/slide5.xml><?xml version="1.0" encoding="utf-8"?>
-<p:sld xmlns:a="http://schemas.openxmlformats.org/drawingml/2006/main" xmlns:r="http://schemas.openxmlformats.org/officeDocument/2006/relationships" xmlns:p="http://schemas.openxmlformats.org/presentationml/2006/main">
-  <p:cSld>
-    <p:spTree>
-      <p:nvGrpSpPr>
-        <p:cNvPr id="1" name=""/>
-        <p:cNvGrpSpPr/>
-        <p:nvPr/>
-      </p:nvGrpSpPr>
-      <p:grpSpPr>
-        <a:xfrm>
-          <a:off x="0" y="0"/>
-          <a:ext cx="0" cy="0"/>
-          <a:chOff x="0" y="0"/>
-          <a:chExt cx="0" cy="0"/>
-        </a:xfrm>
-      </p:grpSpPr>
-      <p:sp>
-        <p:nvSpPr>
-          <p:cNvPr id="2" name="Title 1">
-            <a:extLst>
-              <a:ext uri="{FF2B5EF4-FFF2-40B4-BE49-F238E27FC236}">
-                <a16:creationId xmlns:a16="http://schemas.microsoft.com/office/drawing/2014/main" id="{F9BB23CB-4A54-6C59-AED5-998BE4C8548C}"/>
-              </a:ext>
-            </a:extLst>
-          </p:cNvPr>
-          <p:cNvSpPr>
-            <a:spLocks noGrp="1"/>
-          </p:cNvSpPr>
-          <p:nvPr>
-            <p:ph type="title"/>
-          </p:nvPr>
-        </p:nvSpPr>
-        <p:spPr/>
-        <p:txBody>
-          <a:bodyPr/>
-          <a:lstStyle/>
-          <a:p>
-            <a:r>
-              <a:rPr lang="en-US" dirty="0"/>
-              <a:t>Logit vs Binned Logit</a:t>
-            </a:r>
-          </a:p>
-        </p:txBody>
-      </p:sp>
-      <p:sp>
-        <p:nvSpPr>
-          <p:cNvPr id="3" name="Content Placeholder 2">
-            <a:extLst>
-              <a:ext uri="{FF2B5EF4-FFF2-40B4-BE49-F238E27FC236}">
-                <a16:creationId xmlns:a16="http://schemas.microsoft.com/office/drawing/2014/main" id="{AAFE29BF-2132-7301-461C-6BD97287FFF5}"/>
-              </a:ext>
-            </a:extLst>
-          </p:cNvPr>
-          <p:cNvSpPr>
-            <a:spLocks noGrp="1"/>
-          </p:cNvSpPr>
-          <p:nvPr>
-            <p:ph idx="1"/>
-          </p:nvPr>
         </p:nvSpPr>
         <p:spPr>
           <a:xfrm>
             <a:off x="838200" y="1825625"/>
-            <a:ext cx="5257800" cy="4351338"/>
-          </a:xfrm>
-        </p:spPr>
-        <p:txBody>
-          <a:bodyPr/>
-          <a:lstStyle/>
-          <a:p>
-            <a:pPr marL="0" indent="0">
-              <a:buNone/>
-            </a:pPr>
-            <a:r>
-              <a:rPr lang="en-US" b="1" dirty="0"/>
-              <a:t>Logit</a:t>
-            </a:r>
-          </a:p>
-          <a:p>
-            <a:r>
-              <a:rPr lang="en-US" dirty="0"/>
-              <a:t>Accuracy: 0.79 </a:t>
-            </a:r>
-          </a:p>
-          <a:p>
-            <a:r>
-              <a:rPr lang="en-US" dirty="0"/>
-              <a:t>F1: 0.31</a:t>
-            </a:r>
-          </a:p>
-          <a:p>
-            <a:endParaRPr lang="en-US" dirty="0"/>
-          </a:p>
-          <a:p>
-            <a:endParaRPr lang="en-US" dirty="0"/>
-          </a:p>
-        </p:txBody>
-      </p:sp>
-      <p:sp>
-        <p:nvSpPr>
-          <p:cNvPr id="4" name="Content Placeholder 2">
-            <a:extLst>
-              <a:ext uri="{FF2B5EF4-FFF2-40B4-BE49-F238E27FC236}">
-                <a16:creationId xmlns:a16="http://schemas.microsoft.com/office/drawing/2014/main" id="{899E8B33-0F85-6C4B-78E2-06A548F2B61B}"/>
-              </a:ext>
-            </a:extLst>
-          </p:cNvPr>
-          <p:cNvSpPr txBox="1">
-            <a:spLocks/>
-          </p:cNvSpPr>
-          <p:nvPr/>
-        </p:nvSpPr>
-        <p:spPr>
-          <a:xfrm>
-            <a:off x="6472084" y="1825625"/>
             <a:ext cx="5257800" cy="4351338"/>
           </a:xfrm>
           <a:prstGeom prst="rect">
@@ -4691,10 +4175,1568 @@
             </a:lvl9pPr>
           </a:lstStyle>
           <a:p>
+            <a:r>
+              <a:rPr lang="en-US" sz="1800" dirty="0"/>
+              <a:t>Threshold: 0.2</a:t>
+            </a:r>
+          </a:p>
+          <a:p>
+            <a:r>
+              <a:rPr lang="en-US" sz="1800" dirty="0"/>
+              <a:t>Accuracy: 0.70</a:t>
+            </a:r>
+          </a:p>
+          <a:p>
+            <a:r>
+              <a:rPr lang="en-US" sz="1800" dirty="0"/>
+              <a:t>F1: 0.47</a:t>
+            </a:r>
+          </a:p>
+          <a:p>
+            <a:endParaRPr lang="en-US" sz="1800" dirty="0"/>
+          </a:p>
+          <a:p>
+            <a:endParaRPr lang="en-US" sz="1800" dirty="0"/>
+          </a:p>
+        </p:txBody>
+      </p:sp>
+      <p:pic>
+        <p:nvPicPr>
+          <p:cNvPr id="4" name="Picture 3">
+            <a:extLst>
+              <a:ext uri="{FF2B5EF4-FFF2-40B4-BE49-F238E27FC236}">
+                <a16:creationId xmlns:a16="http://schemas.microsoft.com/office/drawing/2014/main" id="{338ED199-4E55-8C46-EFF4-C8AB1C3DB322}"/>
+              </a:ext>
+            </a:extLst>
+          </p:cNvPr>
+          <p:cNvPicPr>
+            <a:picLocks noChangeAspect="1"/>
+          </p:cNvPicPr>
+          <p:nvPr/>
+        </p:nvPicPr>
+        <p:blipFill>
+          <a:blip r:embed="rId2"/>
+          <a:stretch>
+            <a:fillRect/>
+          </a:stretch>
+        </p:blipFill>
+        <p:spPr>
+          <a:xfrm>
+            <a:off x="1574454" y="3287265"/>
+            <a:ext cx="3346824" cy="2966857"/>
+          </a:xfrm>
+          <a:prstGeom prst="rect">
+            <a:avLst/>
+          </a:prstGeom>
+        </p:spPr>
+      </p:pic>
+      <p:pic>
+        <p:nvPicPr>
+          <p:cNvPr id="9" name="Picture 8" descr="A screen shot of a graph&#10;&#10;Description automatically generated">
+            <a:extLst>
+              <a:ext uri="{FF2B5EF4-FFF2-40B4-BE49-F238E27FC236}">
+                <a16:creationId xmlns:a16="http://schemas.microsoft.com/office/drawing/2014/main" id="{576357E1-504D-24FC-24B4-9892F34AA536}"/>
+              </a:ext>
+            </a:extLst>
+          </p:cNvPr>
+          <p:cNvPicPr>
+            <a:picLocks noChangeAspect="1"/>
+          </p:cNvPicPr>
+          <p:nvPr/>
+        </p:nvPicPr>
+        <p:blipFill>
+          <a:blip r:embed="rId3">
+            <a:extLst>
+              <a:ext uri="{28A0092B-C50C-407E-A947-70E740481C1C}">
+                <a14:useLocalDpi xmlns:a14="http://schemas.microsoft.com/office/drawing/2010/main" val="0"/>
+              </a:ext>
+            </a:extLst>
+          </a:blip>
+          <a:stretch>
+            <a:fillRect/>
+          </a:stretch>
+        </p:blipFill>
+        <p:spPr>
+          <a:xfrm>
+            <a:off x="5630251" y="1493044"/>
+            <a:ext cx="6542616" cy="4906963"/>
+          </a:xfrm>
+          <a:prstGeom prst="rect">
+            <a:avLst/>
+          </a:prstGeom>
+        </p:spPr>
+      </p:pic>
+    </p:spTree>
+    <p:extLst>
+      <p:ext uri="{BB962C8B-B14F-4D97-AF65-F5344CB8AC3E}">
+        <p14:creationId xmlns:p14="http://schemas.microsoft.com/office/powerpoint/2010/main" val="1534403024"/>
+      </p:ext>
+    </p:extLst>
+  </p:cSld>
+  <p:clrMapOvr>
+    <a:masterClrMapping/>
+  </p:clrMapOvr>
+</p:sld>
+</file>
+
+<file path=ppt/slides/slide2.xml><?xml version="1.0" encoding="utf-8"?>
+<p:sld xmlns:a="http://schemas.openxmlformats.org/drawingml/2006/main" xmlns:r="http://schemas.openxmlformats.org/officeDocument/2006/relationships" xmlns:p="http://schemas.openxmlformats.org/presentationml/2006/main">
+  <p:cSld>
+    <p:spTree>
+      <p:nvGrpSpPr>
+        <p:cNvPr id="1" name="">
+          <a:extLst>
+            <a:ext uri="{FF2B5EF4-FFF2-40B4-BE49-F238E27FC236}">
+              <a16:creationId xmlns:a16="http://schemas.microsoft.com/office/drawing/2014/main" id="{65A88AA0-2AEC-41B7-26DB-15EE2C12CC08}"/>
+            </a:ext>
+          </a:extLst>
+        </p:cNvPr>
+        <p:cNvGrpSpPr/>
+        <p:nvPr/>
+      </p:nvGrpSpPr>
+      <p:grpSpPr>
+        <a:xfrm>
+          <a:off x="0" y="0"/>
+          <a:ext cx="0" cy="0"/>
+          <a:chOff x="0" y="0"/>
+          <a:chExt cx="0" cy="0"/>
+        </a:xfrm>
+      </p:grpSpPr>
+      <p:sp>
+        <p:nvSpPr>
+          <p:cNvPr id="2" name="Title 1">
+            <a:extLst>
+              <a:ext uri="{FF2B5EF4-FFF2-40B4-BE49-F238E27FC236}">
+                <a16:creationId xmlns:a16="http://schemas.microsoft.com/office/drawing/2014/main" id="{0C35B6CF-A85C-F521-8519-FA494C3A68D0}"/>
+              </a:ext>
+            </a:extLst>
+          </p:cNvPr>
+          <p:cNvSpPr>
+            <a:spLocks noGrp="1"/>
+          </p:cNvSpPr>
+          <p:nvPr>
+            <p:ph type="title"/>
+          </p:nvPr>
+        </p:nvSpPr>
+        <p:spPr/>
+        <p:txBody>
+          <a:bodyPr/>
+          <a:lstStyle/>
+          <a:p>
+            <a:r>
+              <a:rPr lang="en-US" dirty="0"/>
+              <a:t>Tasks</a:t>
+            </a:r>
+          </a:p>
+        </p:txBody>
+      </p:sp>
+      <p:sp>
+        <p:nvSpPr>
+          <p:cNvPr id="3" name="Content Placeholder 2">
+            <a:extLst>
+              <a:ext uri="{FF2B5EF4-FFF2-40B4-BE49-F238E27FC236}">
+                <a16:creationId xmlns:a16="http://schemas.microsoft.com/office/drawing/2014/main" id="{9C1DD282-3AD4-7E42-0925-069ECCE5384A}"/>
+              </a:ext>
+            </a:extLst>
+          </p:cNvPr>
+          <p:cNvSpPr>
+            <a:spLocks noGrp="1"/>
+          </p:cNvSpPr>
+          <p:nvPr>
+            <p:ph idx="1"/>
+          </p:nvPr>
+        </p:nvSpPr>
+        <p:spPr/>
+        <p:txBody>
+          <a:bodyPr>
+            <a:normAutofit/>
+          </a:bodyPr>
+          <a:lstStyle/>
+          <a:p>
+            <a:r>
+              <a:rPr lang="en-US" sz="2400" dirty="0"/>
+              <a:t>Add Woe Binning.</a:t>
+            </a:r>
+          </a:p>
+          <a:p>
+            <a:r>
+              <a:rPr lang="en-US" sz="2400" dirty="0"/>
+              <a:t>Add  Column City Population 2018</a:t>
+            </a:r>
+          </a:p>
+          <a:p>
+            <a:r>
+              <a:rPr lang="en-US" sz="2400" dirty="0"/>
+              <a:t>Add Column “</a:t>
+            </a:r>
+            <a:r>
+              <a:rPr lang="en-US" sz="2400" dirty="0" err="1"/>
+              <a:t>has_codebtor</a:t>
+            </a:r>
+            <a:r>
+              <a:rPr lang="en-US" sz="2400" dirty="0"/>
+              <a:t>”.</a:t>
+            </a:r>
+          </a:p>
+          <a:p>
+            <a:r>
+              <a:rPr lang="en-US" sz="2400" dirty="0"/>
+              <a:t>Build function: </a:t>
+            </a:r>
+            <a:r>
+              <a:rPr lang="en-US" sz="1800" i="1" dirty="0" err="1">
+                <a:solidFill>
+                  <a:schemeClr val="tx2"/>
+                </a:solidFill>
+              </a:rPr>
+              <a:t>calculate_metrics</a:t>
+            </a:r>
+            <a:r>
+              <a:rPr lang="en-US" sz="1800" i="1" dirty="0">
+                <a:solidFill>
+                  <a:schemeClr val="tx2"/>
+                </a:solidFill>
+              </a:rPr>
+              <a:t> &lt;- function(</a:t>
+            </a:r>
+            <a:r>
+              <a:rPr lang="en-US" sz="1800" i="1" dirty="0" err="1">
+                <a:solidFill>
+                  <a:schemeClr val="tx2"/>
+                </a:solidFill>
+              </a:rPr>
+              <a:t>predicted_probs</a:t>
+            </a:r>
+            <a:r>
+              <a:rPr lang="en-US" sz="1800" i="1" dirty="0">
+                <a:solidFill>
+                  <a:schemeClr val="tx2"/>
+                </a:solidFill>
+              </a:rPr>
+              <a:t>, </a:t>
+            </a:r>
+            <a:r>
+              <a:rPr lang="en-US" sz="1800" i="1" dirty="0" err="1">
+                <a:solidFill>
+                  <a:schemeClr val="tx2"/>
+                </a:solidFill>
+              </a:rPr>
+              <a:t>actual_labels</a:t>
+            </a:r>
+            <a:r>
+              <a:rPr lang="en-US" sz="1800" i="1" dirty="0">
+                <a:solidFill>
+                  <a:schemeClr val="tx2"/>
+                </a:solidFill>
+              </a:rPr>
+              <a:t>, threshold = 0.5)</a:t>
+            </a:r>
+            <a:r>
+              <a:rPr lang="en-US" sz="2400" dirty="0"/>
+              <a:t>:</a:t>
+            </a:r>
+          </a:p>
+          <a:p>
+            <a:pPr lvl="1"/>
+            <a:r>
+              <a:rPr lang="en-US" sz="2000" dirty="0"/>
+              <a:t>Returns: </a:t>
+            </a:r>
+            <a:r>
+              <a:rPr lang="en-US" sz="2000" dirty="0" err="1"/>
+              <a:t>Precission</a:t>
+            </a:r>
+            <a:r>
+              <a:rPr lang="en-US" sz="2000" dirty="0"/>
+              <a:t>, Recall, F1, Accuracy.</a:t>
+            </a:r>
+          </a:p>
+          <a:p>
+            <a:r>
+              <a:rPr lang="en-US" sz="2400" dirty="0"/>
+              <a:t>Build function </a:t>
+            </a:r>
+            <a:r>
+              <a:rPr lang="en-US" sz="1800" i="1" dirty="0" err="1">
+                <a:solidFill>
+                  <a:schemeClr val="tx2"/>
+                </a:solidFill>
+              </a:rPr>
+              <a:t>find_optimal_threshold</a:t>
+            </a:r>
+            <a:r>
+              <a:rPr lang="en-US" sz="1800" i="1" dirty="0">
+                <a:solidFill>
+                  <a:schemeClr val="tx2"/>
+                </a:solidFill>
+              </a:rPr>
+              <a:t> &lt;- function(</a:t>
+            </a:r>
+            <a:r>
+              <a:rPr lang="en-US" sz="1800" i="1" dirty="0" err="1">
+                <a:solidFill>
+                  <a:schemeClr val="tx2"/>
+                </a:solidFill>
+              </a:rPr>
+              <a:t>predicted_probs</a:t>
+            </a:r>
+            <a:r>
+              <a:rPr lang="en-US" sz="1800" i="1" dirty="0">
+                <a:solidFill>
+                  <a:schemeClr val="tx2"/>
+                </a:solidFill>
+              </a:rPr>
+              <a:t>, </a:t>
+            </a:r>
+            <a:r>
+              <a:rPr lang="en-US" sz="1800" i="1" dirty="0" err="1">
+                <a:solidFill>
+                  <a:schemeClr val="tx2"/>
+                </a:solidFill>
+              </a:rPr>
+              <a:t>actual_labels</a:t>
+            </a:r>
+            <a:r>
+              <a:rPr lang="en-US" sz="1800" i="1" dirty="0">
+                <a:solidFill>
+                  <a:schemeClr val="tx2"/>
+                </a:solidFill>
+              </a:rPr>
+              <a:t>, thresholds)</a:t>
+            </a:r>
+            <a:endParaRPr lang="en-US" sz="2400" i="1" dirty="0">
+              <a:solidFill>
+                <a:schemeClr val="tx2"/>
+              </a:solidFill>
+            </a:endParaRPr>
+          </a:p>
+          <a:p>
+            <a:pPr lvl="1"/>
+            <a:r>
+              <a:rPr lang="en-US" sz="2000" dirty="0"/>
+              <a:t>Returns: Optimal threshold based on max F1.</a:t>
+            </a:r>
+          </a:p>
+          <a:p>
+            <a:r>
+              <a:rPr lang="en-US" sz="2400" dirty="0"/>
+              <a:t>Build </a:t>
+            </a:r>
+            <a:r>
+              <a:rPr lang="en-US" sz="1800" i="1" dirty="0" err="1">
+                <a:solidFill>
+                  <a:schemeClr val="tx2"/>
+                </a:solidFill>
+              </a:rPr>
+              <a:t>plot_metrics</a:t>
+            </a:r>
+            <a:r>
+              <a:rPr lang="en-US" sz="1800" i="1" dirty="0">
+                <a:solidFill>
+                  <a:schemeClr val="tx2"/>
+                </a:solidFill>
+              </a:rPr>
+              <a:t> &lt;- function(metrics): </a:t>
+            </a:r>
+            <a:r>
+              <a:rPr lang="en-US" sz="2400" dirty="0"/>
+              <a:t>plots previous curves.</a:t>
+            </a:r>
+          </a:p>
+          <a:p>
+            <a:r>
+              <a:rPr lang="en-US" sz="2400" dirty="0"/>
+              <a:t>Fix Group Lasso groups.</a:t>
+            </a:r>
+          </a:p>
+          <a:p>
+            <a:endParaRPr lang="en-US" sz="2400" dirty="0"/>
+          </a:p>
+          <a:p>
+            <a:endParaRPr lang="en-US" dirty="0"/>
+          </a:p>
+          <a:p>
+            <a:endParaRPr lang="en-US" dirty="0"/>
+          </a:p>
+          <a:p>
+            <a:endParaRPr lang="en-US" dirty="0"/>
+          </a:p>
+        </p:txBody>
+      </p:sp>
+    </p:spTree>
+    <p:extLst>
+      <p:ext uri="{BB962C8B-B14F-4D97-AF65-F5344CB8AC3E}">
+        <p14:creationId xmlns:p14="http://schemas.microsoft.com/office/powerpoint/2010/main" val="659005739"/>
+      </p:ext>
+    </p:extLst>
+  </p:cSld>
+  <p:clrMapOvr>
+    <a:masterClrMapping/>
+  </p:clrMapOvr>
+</p:sld>
+</file>
+
+<file path=ppt/slides/slide3.xml><?xml version="1.0" encoding="utf-8"?>
+<p:sld xmlns:a="http://schemas.openxmlformats.org/drawingml/2006/main" xmlns:r="http://schemas.openxmlformats.org/officeDocument/2006/relationships" xmlns:p="http://schemas.openxmlformats.org/presentationml/2006/main">
+  <p:cSld>
+    <p:spTree>
+      <p:nvGrpSpPr>
+        <p:cNvPr id="1" name=""/>
+        <p:cNvGrpSpPr/>
+        <p:nvPr/>
+      </p:nvGrpSpPr>
+      <p:grpSpPr>
+        <a:xfrm>
+          <a:off x="0" y="0"/>
+          <a:ext cx="0" cy="0"/>
+          <a:chOff x="0" y="0"/>
+          <a:chExt cx="0" cy="0"/>
+        </a:xfrm>
+      </p:grpSpPr>
+      <p:sp>
+        <p:nvSpPr>
+          <p:cNvPr id="2" name="Title 1">
+            <a:extLst>
+              <a:ext uri="{FF2B5EF4-FFF2-40B4-BE49-F238E27FC236}">
+                <a16:creationId xmlns:a16="http://schemas.microsoft.com/office/drawing/2014/main" id="{25052CFA-8665-9B80-A8A3-FA1BB12CD1AC}"/>
+              </a:ext>
+            </a:extLst>
+          </p:cNvPr>
+          <p:cNvSpPr>
+            <a:spLocks noGrp="1"/>
+          </p:cNvSpPr>
+          <p:nvPr>
+            <p:ph type="title"/>
+          </p:nvPr>
+        </p:nvSpPr>
+        <p:spPr/>
+        <p:txBody>
+          <a:bodyPr/>
+          <a:lstStyle/>
+          <a:p>
+            <a:r>
+              <a:rPr lang="en-US" dirty="0"/>
+              <a:t>Complexity – Interpretability Tradeoff</a:t>
+            </a:r>
+          </a:p>
+        </p:txBody>
+      </p:sp>
+      <p:pic>
+        <p:nvPicPr>
+          <p:cNvPr id="5" name="Picture 4">
+            <a:extLst>
+              <a:ext uri="{FF2B5EF4-FFF2-40B4-BE49-F238E27FC236}">
+                <a16:creationId xmlns:a16="http://schemas.microsoft.com/office/drawing/2014/main" id="{D1F10348-5C03-4B19-379D-648E3DAAE2A0}"/>
+              </a:ext>
+            </a:extLst>
+          </p:cNvPr>
+          <p:cNvPicPr>
+            <a:picLocks noChangeAspect="1"/>
+          </p:cNvPicPr>
+          <p:nvPr/>
+        </p:nvPicPr>
+        <p:blipFill>
+          <a:blip r:embed="rId2"/>
+          <a:stretch>
+            <a:fillRect/>
+          </a:stretch>
+        </p:blipFill>
+        <p:spPr>
+          <a:xfrm>
+            <a:off x="2554451" y="1783682"/>
+            <a:ext cx="6942422" cy="4435224"/>
+          </a:xfrm>
+          <a:prstGeom prst="rect">
+            <a:avLst/>
+          </a:prstGeom>
+        </p:spPr>
+      </p:pic>
+    </p:spTree>
+    <p:extLst>
+      <p:ext uri="{BB962C8B-B14F-4D97-AF65-F5344CB8AC3E}">
+        <p14:creationId xmlns:p14="http://schemas.microsoft.com/office/powerpoint/2010/main" val="1218907212"/>
+      </p:ext>
+    </p:extLst>
+  </p:cSld>
+  <p:clrMapOvr>
+    <a:masterClrMapping/>
+  </p:clrMapOvr>
+</p:sld>
+</file>
+
+<file path=ppt/slides/slide4.xml><?xml version="1.0" encoding="utf-8"?>
+<p:sld xmlns:a="http://schemas.openxmlformats.org/drawingml/2006/main" xmlns:r="http://schemas.openxmlformats.org/officeDocument/2006/relationships" xmlns:p="http://schemas.openxmlformats.org/presentationml/2006/main">
+  <p:cSld>
+    <p:spTree>
+      <p:nvGrpSpPr>
+        <p:cNvPr id="1" name="">
+          <a:extLst>
+            <a:ext uri="{FF2B5EF4-FFF2-40B4-BE49-F238E27FC236}">
+              <a16:creationId xmlns:a16="http://schemas.microsoft.com/office/drawing/2014/main" id="{8B4F1294-EF3D-20FD-CE58-A10E2B44F388}"/>
+            </a:ext>
+          </a:extLst>
+        </p:cNvPr>
+        <p:cNvGrpSpPr/>
+        <p:nvPr/>
+      </p:nvGrpSpPr>
+      <p:grpSpPr>
+        <a:xfrm>
+          <a:off x="0" y="0"/>
+          <a:ext cx="0" cy="0"/>
+          <a:chOff x="0" y="0"/>
+          <a:chExt cx="0" cy="0"/>
+        </a:xfrm>
+      </p:grpSpPr>
+      <p:sp>
+        <p:nvSpPr>
+          <p:cNvPr id="2" name="Title 1">
+            <a:extLst>
+              <a:ext uri="{FF2B5EF4-FFF2-40B4-BE49-F238E27FC236}">
+                <a16:creationId xmlns:a16="http://schemas.microsoft.com/office/drawing/2014/main" id="{D0107306-5F96-E8DC-05AA-1802CC39C3A9}"/>
+              </a:ext>
+            </a:extLst>
+          </p:cNvPr>
+          <p:cNvSpPr>
+            <a:spLocks noGrp="1"/>
+          </p:cNvSpPr>
+          <p:nvPr>
+            <p:ph type="title"/>
+          </p:nvPr>
+        </p:nvSpPr>
+        <p:spPr/>
+        <p:txBody>
+          <a:bodyPr/>
+          <a:lstStyle/>
+          <a:p>
+            <a:r>
+              <a:rPr lang="en-US" dirty="0"/>
+              <a:t>Models</a:t>
+            </a:r>
+          </a:p>
+        </p:txBody>
+      </p:sp>
+      <p:sp>
+        <p:nvSpPr>
+          <p:cNvPr id="3" name="Content Placeholder 2">
+            <a:extLst>
+              <a:ext uri="{FF2B5EF4-FFF2-40B4-BE49-F238E27FC236}">
+                <a16:creationId xmlns:a16="http://schemas.microsoft.com/office/drawing/2014/main" id="{8F0FE9C9-5665-D2B9-01AC-6AD8DD659538}"/>
+              </a:ext>
+            </a:extLst>
+          </p:cNvPr>
+          <p:cNvSpPr>
+            <a:spLocks noGrp="1"/>
+          </p:cNvSpPr>
+          <p:nvPr>
+            <p:ph idx="1"/>
+          </p:nvPr>
+        </p:nvSpPr>
+        <p:spPr>
+          <a:xfrm>
+            <a:off x="838200" y="1825625"/>
+            <a:ext cx="3635477" cy="4351338"/>
+          </a:xfrm>
+        </p:spPr>
+        <p:txBody>
+          <a:bodyPr>
+            <a:normAutofit/>
+          </a:bodyPr>
+          <a:lstStyle/>
+          <a:p>
             <a:pPr marL="0" indent="0">
               <a:buNone/>
             </a:pPr>
             <a:r>
+              <a:rPr lang="en-US" sz="2000" b="1" dirty="0"/>
+              <a:t>Working</a:t>
+            </a:r>
+          </a:p>
+          <a:p>
+            <a:r>
+              <a:rPr lang="en-US" sz="2000" dirty="0"/>
+              <a:t>Logit</a:t>
+            </a:r>
+          </a:p>
+          <a:p>
+            <a:r>
+              <a:rPr lang="en-US" sz="2000" dirty="0"/>
+              <a:t>Stepwise Forward</a:t>
+            </a:r>
+          </a:p>
+          <a:p>
+            <a:r>
+              <a:rPr lang="en-US" sz="2000" dirty="0"/>
+              <a:t>Stepwise Backward</a:t>
+            </a:r>
+          </a:p>
+          <a:p>
+            <a:r>
+              <a:rPr lang="en-US" sz="2000" dirty="0"/>
+              <a:t>Lasso</a:t>
+            </a:r>
+          </a:p>
+          <a:p>
+            <a:r>
+              <a:rPr lang="en-US" sz="2000" dirty="0"/>
+              <a:t>Elastic Net</a:t>
+            </a:r>
+          </a:p>
+          <a:p>
+            <a:r>
+              <a:rPr lang="en-US" sz="2000" dirty="0"/>
+              <a:t>Group Lasso</a:t>
+            </a:r>
+          </a:p>
+          <a:p>
+            <a:r>
+              <a:rPr lang="en-US" sz="2000" dirty="0"/>
+              <a:t>GAM</a:t>
+            </a:r>
+          </a:p>
+          <a:p>
+            <a:r>
+              <a:rPr lang="en-US" sz="2000" dirty="0"/>
+              <a:t>Random Forest</a:t>
+            </a:r>
+          </a:p>
+          <a:p>
+            <a:r>
+              <a:rPr lang="en-US" sz="2000" dirty="0" err="1"/>
+              <a:t>XGBoost</a:t>
+            </a:r>
+            <a:endParaRPr lang="en-US" sz="2000" dirty="0"/>
+          </a:p>
+          <a:p>
+            <a:endParaRPr lang="en-US" sz="2000" dirty="0"/>
+          </a:p>
+          <a:p>
+            <a:endParaRPr lang="en-US" sz="2400" dirty="0"/>
+          </a:p>
+          <a:p>
+            <a:endParaRPr lang="en-US" sz="2400" dirty="0"/>
+          </a:p>
+          <a:p>
+            <a:endParaRPr lang="en-US" sz="2400" dirty="0"/>
+          </a:p>
+        </p:txBody>
+      </p:sp>
+      <p:sp>
+        <p:nvSpPr>
+          <p:cNvPr id="4" name="Content Placeholder 2">
+            <a:extLst>
+              <a:ext uri="{FF2B5EF4-FFF2-40B4-BE49-F238E27FC236}">
+                <a16:creationId xmlns:a16="http://schemas.microsoft.com/office/drawing/2014/main" id="{A947D8EA-E716-CF50-A478-CD6932EE1B24}"/>
+              </a:ext>
+            </a:extLst>
+          </p:cNvPr>
+          <p:cNvSpPr txBox="1">
+            <a:spLocks/>
+          </p:cNvSpPr>
+          <p:nvPr/>
+        </p:nvSpPr>
+        <p:spPr>
+          <a:xfrm>
+            <a:off x="6096000" y="1825625"/>
+            <a:ext cx="3635477" cy="4351338"/>
+          </a:xfrm>
+          <a:prstGeom prst="rect">
+            <a:avLst/>
+          </a:prstGeom>
+        </p:spPr>
+        <p:txBody>
+          <a:bodyPr vert="horz" lIns="91440" tIns="45720" rIns="91440" bIns="45720" rtlCol="0">
+            <a:normAutofit/>
+          </a:bodyPr>
+          <a:lstStyle>
+            <a:lvl1pPr marL="228600" indent="-228600" algn="l" defTabSz="914400" rtl="0" eaLnBrk="1" latinLnBrk="0" hangingPunct="1">
+              <a:lnSpc>
+                <a:spcPct val="90000"/>
+              </a:lnSpc>
+              <a:spcBef>
+                <a:spcPts val="1000"/>
+              </a:spcBef>
+              <a:buFont typeface="Arial" panose="020B0604020202020204" pitchFamily="34" charset="0"/>
+              <a:buChar char="•"/>
+              <a:defRPr sz="2800" kern="1200">
+                <a:solidFill>
+                  <a:schemeClr val="tx1"/>
+                </a:solidFill>
+                <a:latin typeface="+mn-lt"/>
+                <a:ea typeface="+mn-ea"/>
+                <a:cs typeface="+mn-cs"/>
+              </a:defRPr>
+            </a:lvl1pPr>
+            <a:lvl2pPr marL="685800" indent="-228600" algn="l" defTabSz="914400" rtl="0" eaLnBrk="1" latinLnBrk="0" hangingPunct="1">
+              <a:lnSpc>
+                <a:spcPct val="90000"/>
+              </a:lnSpc>
+              <a:spcBef>
+                <a:spcPts val="500"/>
+              </a:spcBef>
+              <a:buFont typeface="Arial" panose="020B0604020202020204" pitchFamily="34" charset="0"/>
+              <a:buChar char="•"/>
+              <a:defRPr sz="2400" kern="1200">
+                <a:solidFill>
+                  <a:schemeClr val="tx1"/>
+                </a:solidFill>
+                <a:latin typeface="+mn-lt"/>
+                <a:ea typeface="+mn-ea"/>
+                <a:cs typeface="+mn-cs"/>
+              </a:defRPr>
+            </a:lvl2pPr>
+            <a:lvl3pPr marL="1143000" indent="-228600" algn="l" defTabSz="914400" rtl="0" eaLnBrk="1" latinLnBrk="0" hangingPunct="1">
+              <a:lnSpc>
+                <a:spcPct val="90000"/>
+              </a:lnSpc>
+              <a:spcBef>
+                <a:spcPts val="500"/>
+              </a:spcBef>
+              <a:buFont typeface="Arial" panose="020B0604020202020204" pitchFamily="34" charset="0"/>
+              <a:buChar char="•"/>
+              <a:defRPr sz="2000" kern="1200">
+                <a:solidFill>
+                  <a:schemeClr val="tx1"/>
+                </a:solidFill>
+                <a:latin typeface="+mn-lt"/>
+                <a:ea typeface="+mn-ea"/>
+                <a:cs typeface="+mn-cs"/>
+              </a:defRPr>
+            </a:lvl3pPr>
+            <a:lvl4pPr marL="1600200" indent="-228600" algn="l" defTabSz="914400" rtl="0" eaLnBrk="1" latinLnBrk="0" hangingPunct="1">
+              <a:lnSpc>
+                <a:spcPct val="90000"/>
+              </a:lnSpc>
+              <a:spcBef>
+                <a:spcPts val="500"/>
+              </a:spcBef>
+              <a:buFont typeface="Arial" panose="020B0604020202020204" pitchFamily="34" charset="0"/>
+              <a:buChar char="•"/>
+              <a:defRPr sz="1800" kern="1200">
+                <a:solidFill>
+                  <a:schemeClr val="tx1"/>
+                </a:solidFill>
+                <a:latin typeface="+mn-lt"/>
+                <a:ea typeface="+mn-ea"/>
+                <a:cs typeface="+mn-cs"/>
+              </a:defRPr>
+            </a:lvl4pPr>
+            <a:lvl5pPr marL="2057400" indent="-228600" algn="l" defTabSz="914400" rtl="0" eaLnBrk="1" latinLnBrk="0" hangingPunct="1">
+              <a:lnSpc>
+                <a:spcPct val="90000"/>
+              </a:lnSpc>
+              <a:spcBef>
+                <a:spcPts val="500"/>
+              </a:spcBef>
+              <a:buFont typeface="Arial" panose="020B0604020202020204" pitchFamily="34" charset="0"/>
+              <a:buChar char="•"/>
+              <a:defRPr sz="1800" kern="1200">
+                <a:solidFill>
+                  <a:schemeClr val="tx1"/>
+                </a:solidFill>
+                <a:latin typeface="+mn-lt"/>
+                <a:ea typeface="+mn-ea"/>
+                <a:cs typeface="+mn-cs"/>
+              </a:defRPr>
+            </a:lvl5pPr>
+            <a:lvl6pPr marL="2514600" indent="-228600" algn="l" defTabSz="914400" rtl="0" eaLnBrk="1" latinLnBrk="0" hangingPunct="1">
+              <a:lnSpc>
+                <a:spcPct val="90000"/>
+              </a:lnSpc>
+              <a:spcBef>
+                <a:spcPts val="500"/>
+              </a:spcBef>
+              <a:buFont typeface="Arial" panose="020B0604020202020204" pitchFamily="34" charset="0"/>
+              <a:buChar char="•"/>
+              <a:defRPr sz="1800" kern="1200">
+                <a:solidFill>
+                  <a:schemeClr val="tx1"/>
+                </a:solidFill>
+                <a:latin typeface="+mn-lt"/>
+                <a:ea typeface="+mn-ea"/>
+                <a:cs typeface="+mn-cs"/>
+              </a:defRPr>
+            </a:lvl6pPr>
+            <a:lvl7pPr marL="2971800" indent="-228600" algn="l" defTabSz="914400" rtl="0" eaLnBrk="1" latinLnBrk="0" hangingPunct="1">
+              <a:lnSpc>
+                <a:spcPct val="90000"/>
+              </a:lnSpc>
+              <a:spcBef>
+                <a:spcPts val="500"/>
+              </a:spcBef>
+              <a:buFont typeface="Arial" panose="020B0604020202020204" pitchFamily="34" charset="0"/>
+              <a:buChar char="•"/>
+              <a:defRPr sz="1800" kern="1200">
+                <a:solidFill>
+                  <a:schemeClr val="tx1"/>
+                </a:solidFill>
+                <a:latin typeface="+mn-lt"/>
+                <a:ea typeface="+mn-ea"/>
+                <a:cs typeface="+mn-cs"/>
+              </a:defRPr>
+            </a:lvl7pPr>
+            <a:lvl8pPr marL="3429000" indent="-228600" algn="l" defTabSz="914400" rtl="0" eaLnBrk="1" latinLnBrk="0" hangingPunct="1">
+              <a:lnSpc>
+                <a:spcPct val="90000"/>
+              </a:lnSpc>
+              <a:spcBef>
+                <a:spcPts val="500"/>
+              </a:spcBef>
+              <a:buFont typeface="Arial" panose="020B0604020202020204" pitchFamily="34" charset="0"/>
+              <a:buChar char="•"/>
+              <a:defRPr sz="1800" kern="1200">
+                <a:solidFill>
+                  <a:schemeClr val="tx1"/>
+                </a:solidFill>
+                <a:latin typeface="+mn-lt"/>
+                <a:ea typeface="+mn-ea"/>
+                <a:cs typeface="+mn-cs"/>
+              </a:defRPr>
+            </a:lvl8pPr>
+            <a:lvl9pPr marL="3886200" indent="-228600" algn="l" defTabSz="914400" rtl="0" eaLnBrk="1" latinLnBrk="0" hangingPunct="1">
+              <a:lnSpc>
+                <a:spcPct val="90000"/>
+              </a:lnSpc>
+              <a:spcBef>
+                <a:spcPts val="500"/>
+              </a:spcBef>
+              <a:buFont typeface="Arial" panose="020B0604020202020204" pitchFamily="34" charset="0"/>
+              <a:buChar char="•"/>
+              <a:defRPr sz="1800" kern="1200">
+                <a:solidFill>
+                  <a:schemeClr val="tx1"/>
+                </a:solidFill>
+                <a:latin typeface="+mn-lt"/>
+                <a:ea typeface="+mn-ea"/>
+                <a:cs typeface="+mn-cs"/>
+              </a:defRPr>
+            </a:lvl9pPr>
+          </a:lstStyle>
+          <a:p>
+            <a:pPr marL="0" indent="0">
+              <a:buFont typeface="Arial" panose="020B0604020202020204" pitchFamily="34" charset="0"/>
+              <a:buNone/>
+            </a:pPr>
+            <a:r>
+              <a:rPr lang="en-US" sz="2000" b="1" dirty="0"/>
+              <a:t>To review</a:t>
+            </a:r>
+          </a:p>
+          <a:p>
+            <a:r>
+              <a:rPr lang="en-US" sz="2000" dirty="0"/>
+              <a:t>All stepwise</a:t>
+            </a:r>
+          </a:p>
+          <a:p>
+            <a:r>
+              <a:rPr lang="en-US" sz="2000" dirty="0"/>
+              <a:t>SVM</a:t>
+            </a:r>
+          </a:p>
+          <a:p>
+            <a:r>
+              <a:rPr lang="en-US" sz="2000" dirty="0"/>
+              <a:t>SPCA reg</a:t>
+            </a:r>
+          </a:p>
+          <a:p>
+            <a:endParaRPr lang="en-US" sz="2000" dirty="0"/>
+          </a:p>
+          <a:p>
+            <a:endParaRPr lang="en-US" sz="2400" dirty="0"/>
+          </a:p>
+          <a:p>
+            <a:endParaRPr lang="en-US" sz="2400" dirty="0"/>
+          </a:p>
+          <a:p>
+            <a:endParaRPr lang="en-US" sz="2400" dirty="0"/>
+          </a:p>
+        </p:txBody>
+      </p:sp>
+      <p:sp>
+        <p:nvSpPr>
+          <p:cNvPr id="5" name="Rectangle 4">
+            <a:extLst>
+              <a:ext uri="{FF2B5EF4-FFF2-40B4-BE49-F238E27FC236}">
+                <a16:creationId xmlns:a16="http://schemas.microsoft.com/office/drawing/2014/main" id="{C7ABF58B-A9A1-F76E-9568-2267EF8EF9BA}"/>
+              </a:ext>
+            </a:extLst>
+          </p:cNvPr>
+          <p:cNvSpPr/>
+          <p:nvPr/>
+        </p:nvSpPr>
+        <p:spPr>
+          <a:xfrm>
+            <a:off x="668594" y="4984955"/>
+            <a:ext cx="3431458" cy="894735"/>
+          </a:xfrm>
+          <a:prstGeom prst="rect">
+            <a:avLst/>
+          </a:prstGeom>
+          <a:solidFill>
+            <a:srgbClr val="156082">
+              <a:alpha val="25098"/>
+            </a:srgbClr>
+          </a:solidFill>
+        </p:spPr>
+        <p:style>
+          <a:lnRef idx="2">
+            <a:schemeClr val="accent1">
+              <a:shade val="15000"/>
+            </a:schemeClr>
+          </a:lnRef>
+          <a:fillRef idx="1">
+            <a:schemeClr val="accent1"/>
+          </a:fillRef>
+          <a:effectRef idx="0">
+            <a:schemeClr val="accent1"/>
+          </a:effectRef>
+          <a:fontRef idx="minor">
+            <a:schemeClr val="lt1"/>
+          </a:fontRef>
+        </p:style>
+        <p:txBody>
+          <a:bodyPr rtlCol="0" anchor="ctr"/>
+          <a:lstStyle/>
+          <a:p>
+            <a:pPr algn="ctr"/>
+            <a:endParaRPr lang="en-US"/>
+          </a:p>
+        </p:txBody>
+      </p:sp>
+      <p:sp>
+        <p:nvSpPr>
+          <p:cNvPr id="6" name="TextBox 5">
+            <a:extLst>
+              <a:ext uri="{FF2B5EF4-FFF2-40B4-BE49-F238E27FC236}">
+                <a16:creationId xmlns:a16="http://schemas.microsoft.com/office/drawing/2014/main" id="{CF43B503-5E9C-D5E9-258F-938673597F11}"/>
+              </a:ext>
+            </a:extLst>
+          </p:cNvPr>
+          <p:cNvSpPr txBox="1"/>
+          <p:nvPr/>
+        </p:nvSpPr>
+        <p:spPr>
+          <a:xfrm>
+            <a:off x="4269658" y="5247656"/>
+            <a:ext cx="1106072" cy="369332"/>
+          </a:xfrm>
+          <a:prstGeom prst="rect">
+            <a:avLst/>
+          </a:prstGeom>
+          <a:noFill/>
+        </p:spPr>
+        <p:txBody>
+          <a:bodyPr wrap="none" rtlCol="0">
+            <a:spAutoFit/>
+          </a:bodyPr>
+          <a:lstStyle/>
+          <a:p>
+            <a:r>
+              <a:rPr lang="en-US" b="1" dirty="0">
+                <a:solidFill>
+                  <a:schemeClr val="accent1"/>
+                </a:solidFill>
+              </a:rPr>
+              <a:t>Boosting</a:t>
+            </a:r>
+          </a:p>
+        </p:txBody>
+      </p:sp>
+    </p:spTree>
+    <p:extLst>
+      <p:ext uri="{BB962C8B-B14F-4D97-AF65-F5344CB8AC3E}">
+        <p14:creationId xmlns:p14="http://schemas.microsoft.com/office/powerpoint/2010/main" val="4183298363"/>
+      </p:ext>
+    </p:extLst>
+  </p:cSld>
+  <p:clrMapOvr>
+    <a:masterClrMapping/>
+  </p:clrMapOvr>
+</p:sld>
+</file>
+
+<file path=ppt/slides/slide5.xml><?xml version="1.0" encoding="utf-8"?>
+<p:sld xmlns:a="http://schemas.openxmlformats.org/drawingml/2006/main" xmlns:r="http://schemas.openxmlformats.org/officeDocument/2006/relationships" xmlns:p="http://schemas.openxmlformats.org/presentationml/2006/main">
+  <p:cSld>
+    <p:spTree>
+      <p:nvGrpSpPr>
+        <p:cNvPr id="1" name=""/>
+        <p:cNvGrpSpPr/>
+        <p:nvPr/>
+      </p:nvGrpSpPr>
+      <p:grpSpPr>
+        <a:xfrm>
+          <a:off x="0" y="0"/>
+          <a:ext cx="0" cy="0"/>
+          <a:chOff x="0" y="0"/>
+          <a:chExt cx="0" cy="0"/>
+        </a:xfrm>
+      </p:grpSpPr>
+      <p:sp>
+        <p:nvSpPr>
+          <p:cNvPr id="2" name="Title 1">
+            <a:extLst>
+              <a:ext uri="{FF2B5EF4-FFF2-40B4-BE49-F238E27FC236}">
+                <a16:creationId xmlns:a16="http://schemas.microsoft.com/office/drawing/2014/main" id="{6B0183AB-472E-96F3-B70D-32C6F053E49A}"/>
+              </a:ext>
+            </a:extLst>
+          </p:cNvPr>
+          <p:cNvSpPr>
+            <a:spLocks noGrp="1"/>
+          </p:cNvSpPr>
+          <p:nvPr>
+            <p:ph type="title"/>
+          </p:nvPr>
+        </p:nvSpPr>
+        <p:spPr/>
+        <p:txBody>
+          <a:bodyPr/>
+          <a:lstStyle/>
+          <a:p>
+            <a:r>
+              <a:rPr lang="en-US" dirty="0"/>
+              <a:t>Binning</a:t>
+            </a:r>
+          </a:p>
+        </p:txBody>
+      </p:sp>
+      <p:sp>
+        <p:nvSpPr>
+          <p:cNvPr id="3" name="Content Placeholder 2">
+            <a:extLst>
+              <a:ext uri="{FF2B5EF4-FFF2-40B4-BE49-F238E27FC236}">
+                <a16:creationId xmlns:a16="http://schemas.microsoft.com/office/drawing/2014/main" id="{AC28987F-1D17-9888-20C0-D8E4A332F383}"/>
+              </a:ext>
+            </a:extLst>
+          </p:cNvPr>
+          <p:cNvSpPr>
+            <a:spLocks noGrp="1"/>
+          </p:cNvSpPr>
+          <p:nvPr>
+            <p:ph idx="1"/>
+          </p:nvPr>
+        </p:nvSpPr>
+        <p:spPr>
+          <a:xfrm>
+            <a:off x="838200" y="1453836"/>
+            <a:ext cx="10515600" cy="4351338"/>
+          </a:xfrm>
+        </p:spPr>
+        <p:txBody>
+          <a:bodyPr/>
+          <a:lstStyle/>
+          <a:p>
+            <a:r>
+              <a:rPr lang="en-US" dirty="0"/>
+              <a:t>Merge factors within variable</a:t>
+            </a:r>
+          </a:p>
+          <a:p>
+            <a:r>
+              <a:rPr lang="en-US" dirty="0"/>
+              <a:t>Package </a:t>
+            </a:r>
+            <a:r>
+              <a:rPr lang="en-US" dirty="0" err="1"/>
+              <a:t>woebinning</a:t>
+            </a:r>
+            <a:endParaRPr lang="en-US" dirty="0"/>
+          </a:p>
+        </p:txBody>
+      </p:sp>
+      <p:pic>
+        <p:nvPicPr>
+          <p:cNvPr id="5" name="Picture 4">
+            <a:extLst>
+              <a:ext uri="{FF2B5EF4-FFF2-40B4-BE49-F238E27FC236}">
+                <a16:creationId xmlns:a16="http://schemas.microsoft.com/office/drawing/2014/main" id="{30216770-E92E-5F8B-D13E-F0CC4C21E1B8}"/>
+              </a:ext>
+            </a:extLst>
+          </p:cNvPr>
+          <p:cNvPicPr>
+            <a:picLocks noChangeAspect="1"/>
+          </p:cNvPicPr>
+          <p:nvPr/>
+        </p:nvPicPr>
+        <p:blipFill>
+          <a:blip r:embed="rId2"/>
+          <a:stretch>
+            <a:fillRect/>
+          </a:stretch>
+        </p:blipFill>
+        <p:spPr>
+          <a:xfrm>
+            <a:off x="838200" y="2997085"/>
+            <a:ext cx="4461598" cy="3860915"/>
+          </a:xfrm>
+          <a:prstGeom prst="rect">
+            <a:avLst/>
+          </a:prstGeom>
+        </p:spPr>
+      </p:pic>
+      <p:sp>
+        <p:nvSpPr>
+          <p:cNvPr id="6" name="TextBox 5">
+            <a:extLst>
+              <a:ext uri="{FF2B5EF4-FFF2-40B4-BE49-F238E27FC236}">
+                <a16:creationId xmlns:a16="http://schemas.microsoft.com/office/drawing/2014/main" id="{95690AE0-ECE9-594F-C346-F8A174DA12A4}"/>
+              </a:ext>
+            </a:extLst>
+          </p:cNvPr>
+          <p:cNvSpPr txBox="1"/>
+          <p:nvPr/>
+        </p:nvSpPr>
+        <p:spPr>
+          <a:xfrm>
+            <a:off x="2258360" y="2512088"/>
+            <a:ext cx="1706365" cy="369332"/>
+          </a:xfrm>
+          <a:prstGeom prst="rect">
+            <a:avLst/>
+          </a:prstGeom>
+          <a:noFill/>
+        </p:spPr>
+        <p:txBody>
+          <a:bodyPr wrap="none" rtlCol="0">
+            <a:spAutoFit/>
+          </a:bodyPr>
+          <a:lstStyle/>
+          <a:p>
+            <a:r>
+              <a:rPr lang="en-US" b="1" dirty="0">
+                <a:solidFill>
+                  <a:schemeClr val="tx2"/>
+                </a:solidFill>
+              </a:rPr>
+              <a:t>Before Binning</a:t>
+            </a:r>
+          </a:p>
+        </p:txBody>
+      </p:sp>
+      <p:sp>
+        <p:nvSpPr>
+          <p:cNvPr id="8" name="TextBox 7">
+            <a:extLst>
+              <a:ext uri="{FF2B5EF4-FFF2-40B4-BE49-F238E27FC236}">
+                <a16:creationId xmlns:a16="http://schemas.microsoft.com/office/drawing/2014/main" id="{D39F418B-7CEC-A658-D538-6E1A5123B606}"/>
+              </a:ext>
+            </a:extLst>
+          </p:cNvPr>
+          <p:cNvSpPr txBox="1"/>
+          <p:nvPr/>
+        </p:nvSpPr>
+        <p:spPr>
+          <a:xfrm>
+            <a:off x="8401649" y="2512088"/>
+            <a:ext cx="1531958" cy="369332"/>
+          </a:xfrm>
+          <a:prstGeom prst="rect">
+            <a:avLst/>
+          </a:prstGeom>
+          <a:noFill/>
+        </p:spPr>
+        <p:txBody>
+          <a:bodyPr wrap="none" rtlCol="0">
+            <a:spAutoFit/>
+          </a:bodyPr>
+          <a:lstStyle/>
+          <a:p>
+            <a:r>
+              <a:rPr lang="en-US" b="1" dirty="0">
+                <a:solidFill>
+                  <a:schemeClr val="tx2"/>
+                </a:solidFill>
+              </a:rPr>
+              <a:t>After Binning</a:t>
+            </a:r>
+          </a:p>
+        </p:txBody>
+      </p:sp>
+      <p:pic>
+        <p:nvPicPr>
+          <p:cNvPr id="10" name="Picture 9">
+            <a:extLst>
+              <a:ext uri="{FF2B5EF4-FFF2-40B4-BE49-F238E27FC236}">
+                <a16:creationId xmlns:a16="http://schemas.microsoft.com/office/drawing/2014/main" id="{7BCDE5D0-33FE-5209-0212-57368B73B204}"/>
+              </a:ext>
+            </a:extLst>
+          </p:cNvPr>
+          <p:cNvPicPr>
+            <a:picLocks noChangeAspect="1"/>
+          </p:cNvPicPr>
+          <p:nvPr/>
+        </p:nvPicPr>
+        <p:blipFill>
+          <a:blip r:embed="rId3"/>
+          <a:stretch>
+            <a:fillRect/>
+          </a:stretch>
+        </p:blipFill>
+        <p:spPr>
+          <a:xfrm>
+            <a:off x="6892204" y="2997085"/>
+            <a:ext cx="4550849" cy="3708429"/>
+          </a:xfrm>
+          <a:prstGeom prst="rect">
+            <a:avLst/>
+          </a:prstGeom>
+        </p:spPr>
+      </p:pic>
+      <p:sp>
+        <p:nvSpPr>
+          <p:cNvPr id="4" name="Arrow: Right 3">
+            <a:extLst>
+              <a:ext uri="{FF2B5EF4-FFF2-40B4-BE49-F238E27FC236}">
+                <a16:creationId xmlns:a16="http://schemas.microsoft.com/office/drawing/2014/main" id="{BA1A7DBB-D5B8-07C8-FC4B-3CF30D6134F3}"/>
+              </a:ext>
+            </a:extLst>
+          </p:cNvPr>
+          <p:cNvSpPr/>
+          <p:nvPr/>
+        </p:nvSpPr>
+        <p:spPr>
+          <a:xfrm>
+            <a:off x="5771535" y="4178710"/>
+            <a:ext cx="845575" cy="501445"/>
+          </a:xfrm>
+          <a:prstGeom prst="rightArrow">
+            <a:avLst/>
+          </a:prstGeom>
+        </p:spPr>
+        <p:style>
+          <a:lnRef idx="2">
+            <a:schemeClr val="accent1">
+              <a:shade val="15000"/>
+            </a:schemeClr>
+          </a:lnRef>
+          <a:fillRef idx="1">
+            <a:schemeClr val="accent1"/>
+          </a:fillRef>
+          <a:effectRef idx="0">
+            <a:schemeClr val="accent1"/>
+          </a:effectRef>
+          <a:fontRef idx="minor">
+            <a:schemeClr val="lt1"/>
+          </a:fontRef>
+        </p:style>
+        <p:txBody>
+          <a:bodyPr rtlCol="0" anchor="ctr"/>
+          <a:lstStyle/>
+          <a:p>
+            <a:pPr algn="ctr"/>
+            <a:endParaRPr lang="en-US"/>
+          </a:p>
+        </p:txBody>
+      </p:sp>
+    </p:spTree>
+    <p:extLst>
+      <p:ext uri="{BB962C8B-B14F-4D97-AF65-F5344CB8AC3E}">
+        <p14:creationId xmlns:p14="http://schemas.microsoft.com/office/powerpoint/2010/main" val="2158546797"/>
+      </p:ext>
+    </p:extLst>
+  </p:cSld>
+  <p:clrMapOvr>
+    <a:masterClrMapping/>
+  </p:clrMapOvr>
+</p:sld>
+</file>
+
+<file path=ppt/slides/slide6.xml><?xml version="1.0" encoding="utf-8"?>
+<p:sld xmlns:a="http://schemas.openxmlformats.org/drawingml/2006/main" xmlns:r="http://schemas.openxmlformats.org/officeDocument/2006/relationships" xmlns:p="http://schemas.openxmlformats.org/presentationml/2006/main">
+  <p:cSld>
+    <p:spTree>
+      <p:nvGrpSpPr>
+        <p:cNvPr id="1" name=""/>
+        <p:cNvGrpSpPr/>
+        <p:nvPr/>
+      </p:nvGrpSpPr>
+      <p:grpSpPr>
+        <a:xfrm>
+          <a:off x="0" y="0"/>
+          <a:ext cx="0" cy="0"/>
+          <a:chOff x="0" y="0"/>
+          <a:chExt cx="0" cy="0"/>
+        </a:xfrm>
+      </p:grpSpPr>
+      <p:sp>
+        <p:nvSpPr>
+          <p:cNvPr id="2" name="Title 1">
+            <a:extLst>
+              <a:ext uri="{FF2B5EF4-FFF2-40B4-BE49-F238E27FC236}">
+                <a16:creationId xmlns:a16="http://schemas.microsoft.com/office/drawing/2014/main" id="{F9BB23CB-4A54-6C59-AED5-998BE4C8548C}"/>
+              </a:ext>
+            </a:extLst>
+          </p:cNvPr>
+          <p:cNvSpPr>
+            <a:spLocks noGrp="1"/>
+          </p:cNvSpPr>
+          <p:nvPr>
+            <p:ph type="title"/>
+          </p:nvPr>
+        </p:nvSpPr>
+        <p:spPr/>
+        <p:txBody>
+          <a:bodyPr/>
+          <a:lstStyle/>
+          <a:p>
+            <a:r>
+              <a:rPr lang="en-US" dirty="0"/>
+              <a:t>Logit vs Binned Logit</a:t>
+            </a:r>
+          </a:p>
+        </p:txBody>
+      </p:sp>
+      <p:sp>
+        <p:nvSpPr>
+          <p:cNvPr id="3" name="Content Placeholder 2">
+            <a:extLst>
+              <a:ext uri="{FF2B5EF4-FFF2-40B4-BE49-F238E27FC236}">
+                <a16:creationId xmlns:a16="http://schemas.microsoft.com/office/drawing/2014/main" id="{AAFE29BF-2132-7301-461C-6BD97287FFF5}"/>
+              </a:ext>
+            </a:extLst>
+          </p:cNvPr>
+          <p:cNvSpPr>
+            <a:spLocks noGrp="1"/>
+          </p:cNvSpPr>
+          <p:nvPr>
+            <p:ph idx="1"/>
+          </p:nvPr>
+        </p:nvSpPr>
+        <p:spPr>
+          <a:xfrm>
+            <a:off x="838200" y="1825625"/>
+            <a:ext cx="5257800" cy="4351338"/>
+          </a:xfrm>
+        </p:spPr>
+        <p:txBody>
+          <a:bodyPr/>
+          <a:lstStyle/>
+          <a:p>
+            <a:pPr marL="0" indent="0">
+              <a:buNone/>
+            </a:pPr>
+            <a:r>
+              <a:rPr lang="en-US" b="1" dirty="0"/>
+              <a:t>Logit</a:t>
+            </a:r>
+          </a:p>
+          <a:p>
+            <a:r>
+              <a:rPr lang="en-US" dirty="0"/>
+              <a:t>Accuracy: 0.79 </a:t>
+            </a:r>
+          </a:p>
+          <a:p>
+            <a:r>
+              <a:rPr lang="en-US" dirty="0"/>
+              <a:t>F1: 0.31</a:t>
+            </a:r>
+          </a:p>
+          <a:p>
+            <a:endParaRPr lang="en-US" dirty="0"/>
+          </a:p>
+          <a:p>
+            <a:endParaRPr lang="en-US" dirty="0"/>
+          </a:p>
+        </p:txBody>
+      </p:sp>
+      <p:sp>
+        <p:nvSpPr>
+          <p:cNvPr id="4" name="Content Placeholder 2">
+            <a:extLst>
+              <a:ext uri="{FF2B5EF4-FFF2-40B4-BE49-F238E27FC236}">
+                <a16:creationId xmlns:a16="http://schemas.microsoft.com/office/drawing/2014/main" id="{899E8B33-0F85-6C4B-78E2-06A548F2B61B}"/>
+              </a:ext>
+            </a:extLst>
+          </p:cNvPr>
+          <p:cNvSpPr txBox="1">
+            <a:spLocks/>
+          </p:cNvSpPr>
+          <p:nvPr/>
+        </p:nvSpPr>
+        <p:spPr>
+          <a:xfrm>
+            <a:off x="6472084" y="1825625"/>
+            <a:ext cx="5257800" cy="4351338"/>
+          </a:xfrm>
+          <a:prstGeom prst="rect">
+            <a:avLst/>
+          </a:prstGeom>
+        </p:spPr>
+        <p:txBody>
+          <a:bodyPr vert="horz" lIns="91440" tIns="45720" rIns="91440" bIns="45720" rtlCol="0">
+            <a:normAutofit/>
+          </a:bodyPr>
+          <a:lstStyle>
+            <a:lvl1pPr marL="228600" indent="-228600" algn="l" defTabSz="914400" rtl="0" eaLnBrk="1" latinLnBrk="0" hangingPunct="1">
+              <a:lnSpc>
+                <a:spcPct val="90000"/>
+              </a:lnSpc>
+              <a:spcBef>
+                <a:spcPts val="1000"/>
+              </a:spcBef>
+              <a:buFont typeface="Arial" panose="020B0604020202020204" pitchFamily="34" charset="0"/>
+              <a:buChar char="•"/>
+              <a:defRPr sz="2800" kern="1200">
+                <a:solidFill>
+                  <a:schemeClr val="tx1"/>
+                </a:solidFill>
+                <a:latin typeface="+mn-lt"/>
+                <a:ea typeface="+mn-ea"/>
+                <a:cs typeface="+mn-cs"/>
+              </a:defRPr>
+            </a:lvl1pPr>
+            <a:lvl2pPr marL="685800" indent="-228600" algn="l" defTabSz="914400" rtl="0" eaLnBrk="1" latinLnBrk="0" hangingPunct="1">
+              <a:lnSpc>
+                <a:spcPct val="90000"/>
+              </a:lnSpc>
+              <a:spcBef>
+                <a:spcPts val="500"/>
+              </a:spcBef>
+              <a:buFont typeface="Arial" panose="020B0604020202020204" pitchFamily="34" charset="0"/>
+              <a:buChar char="•"/>
+              <a:defRPr sz="2400" kern="1200">
+                <a:solidFill>
+                  <a:schemeClr val="tx1"/>
+                </a:solidFill>
+                <a:latin typeface="+mn-lt"/>
+                <a:ea typeface="+mn-ea"/>
+                <a:cs typeface="+mn-cs"/>
+              </a:defRPr>
+            </a:lvl2pPr>
+            <a:lvl3pPr marL="1143000" indent="-228600" algn="l" defTabSz="914400" rtl="0" eaLnBrk="1" latinLnBrk="0" hangingPunct="1">
+              <a:lnSpc>
+                <a:spcPct val="90000"/>
+              </a:lnSpc>
+              <a:spcBef>
+                <a:spcPts val="500"/>
+              </a:spcBef>
+              <a:buFont typeface="Arial" panose="020B0604020202020204" pitchFamily="34" charset="0"/>
+              <a:buChar char="•"/>
+              <a:defRPr sz="2000" kern="1200">
+                <a:solidFill>
+                  <a:schemeClr val="tx1"/>
+                </a:solidFill>
+                <a:latin typeface="+mn-lt"/>
+                <a:ea typeface="+mn-ea"/>
+                <a:cs typeface="+mn-cs"/>
+              </a:defRPr>
+            </a:lvl3pPr>
+            <a:lvl4pPr marL="1600200" indent="-228600" algn="l" defTabSz="914400" rtl="0" eaLnBrk="1" latinLnBrk="0" hangingPunct="1">
+              <a:lnSpc>
+                <a:spcPct val="90000"/>
+              </a:lnSpc>
+              <a:spcBef>
+                <a:spcPts val="500"/>
+              </a:spcBef>
+              <a:buFont typeface="Arial" panose="020B0604020202020204" pitchFamily="34" charset="0"/>
+              <a:buChar char="•"/>
+              <a:defRPr sz="1800" kern="1200">
+                <a:solidFill>
+                  <a:schemeClr val="tx1"/>
+                </a:solidFill>
+                <a:latin typeface="+mn-lt"/>
+                <a:ea typeface="+mn-ea"/>
+                <a:cs typeface="+mn-cs"/>
+              </a:defRPr>
+            </a:lvl4pPr>
+            <a:lvl5pPr marL="2057400" indent="-228600" algn="l" defTabSz="914400" rtl="0" eaLnBrk="1" latinLnBrk="0" hangingPunct="1">
+              <a:lnSpc>
+                <a:spcPct val="90000"/>
+              </a:lnSpc>
+              <a:spcBef>
+                <a:spcPts val="500"/>
+              </a:spcBef>
+              <a:buFont typeface="Arial" panose="020B0604020202020204" pitchFamily="34" charset="0"/>
+              <a:buChar char="•"/>
+              <a:defRPr sz="1800" kern="1200">
+                <a:solidFill>
+                  <a:schemeClr val="tx1"/>
+                </a:solidFill>
+                <a:latin typeface="+mn-lt"/>
+                <a:ea typeface="+mn-ea"/>
+                <a:cs typeface="+mn-cs"/>
+              </a:defRPr>
+            </a:lvl5pPr>
+            <a:lvl6pPr marL="2514600" indent="-228600" algn="l" defTabSz="914400" rtl="0" eaLnBrk="1" latinLnBrk="0" hangingPunct="1">
+              <a:lnSpc>
+                <a:spcPct val="90000"/>
+              </a:lnSpc>
+              <a:spcBef>
+                <a:spcPts val="500"/>
+              </a:spcBef>
+              <a:buFont typeface="Arial" panose="020B0604020202020204" pitchFamily="34" charset="0"/>
+              <a:buChar char="•"/>
+              <a:defRPr sz="1800" kern="1200">
+                <a:solidFill>
+                  <a:schemeClr val="tx1"/>
+                </a:solidFill>
+                <a:latin typeface="+mn-lt"/>
+                <a:ea typeface="+mn-ea"/>
+                <a:cs typeface="+mn-cs"/>
+              </a:defRPr>
+            </a:lvl6pPr>
+            <a:lvl7pPr marL="2971800" indent="-228600" algn="l" defTabSz="914400" rtl="0" eaLnBrk="1" latinLnBrk="0" hangingPunct="1">
+              <a:lnSpc>
+                <a:spcPct val="90000"/>
+              </a:lnSpc>
+              <a:spcBef>
+                <a:spcPts val="500"/>
+              </a:spcBef>
+              <a:buFont typeface="Arial" panose="020B0604020202020204" pitchFamily="34" charset="0"/>
+              <a:buChar char="•"/>
+              <a:defRPr sz="1800" kern="1200">
+                <a:solidFill>
+                  <a:schemeClr val="tx1"/>
+                </a:solidFill>
+                <a:latin typeface="+mn-lt"/>
+                <a:ea typeface="+mn-ea"/>
+                <a:cs typeface="+mn-cs"/>
+              </a:defRPr>
+            </a:lvl7pPr>
+            <a:lvl8pPr marL="3429000" indent="-228600" algn="l" defTabSz="914400" rtl="0" eaLnBrk="1" latinLnBrk="0" hangingPunct="1">
+              <a:lnSpc>
+                <a:spcPct val="90000"/>
+              </a:lnSpc>
+              <a:spcBef>
+                <a:spcPts val="500"/>
+              </a:spcBef>
+              <a:buFont typeface="Arial" panose="020B0604020202020204" pitchFamily="34" charset="0"/>
+              <a:buChar char="•"/>
+              <a:defRPr sz="1800" kern="1200">
+                <a:solidFill>
+                  <a:schemeClr val="tx1"/>
+                </a:solidFill>
+                <a:latin typeface="+mn-lt"/>
+                <a:ea typeface="+mn-ea"/>
+                <a:cs typeface="+mn-cs"/>
+              </a:defRPr>
+            </a:lvl8pPr>
+            <a:lvl9pPr marL="3886200" indent="-228600" algn="l" defTabSz="914400" rtl="0" eaLnBrk="1" latinLnBrk="0" hangingPunct="1">
+              <a:lnSpc>
+                <a:spcPct val="90000"/>
+              </a:lnSpc>
+              <a:spcBef>
+                <a:spcPts val="500"/>
+              </a:spcBef>
+              <a:buFont typeface="Arial" panose="020B0604020202020204" pitchFamily="34" charset="0"/>
+              <a:buChar char="•"/>
+              <a:defRPr sz="1800" kern="1200">
+                <a:solidFill>
+                  <a:schemeClr val="tx1"/>
+                </a:solidFill>
+                <a:latin typeface="+mn-lt"/>
+                <a:ea typeface="+mn-ea"/>
+                <a:cs typeface="+mn-cs"/>
+              </a:defRPr>
+            </a:lvl9pPr>
+          </a:lstStyle>
+          <a:p>
+            <a:pPr marL="0" indent="0">
+              <a:buNone/>
+            </a:pPr>
+            <a:r>
               <a:rPr lang="en-US" b="1" dirty="0"/>
               <a:t>Binned Logit</a:t>
             </a:r>
@@ -4730,7 +5772,7 @@
         </p:nvSpPr>
         <p:spPr>
           <a:xfrm>
-            <a:off x="3765754" y="3429000"/>
+            <a:off x="3765754" y="3537155"/>
             <a:ext cx="4344779" cy="369332"/>
           </a:xfrm>
           <a:prstGeom prst="rect">
@@ -4748,6 +5790,52 @@
               <a:rPr lang="en-US" dirty="0"/>
               <a:t>Doesn’t seem to be helpful in basic model</a:t>
             </a:r>
+          </a:p>
+        </p:txBody>
+      </p:sp>
+      <p:sp>
+        <p:nvSpPr>
+          <p:cNvPr id="5" name="Arrow: Right 4">
+            <a:extLst>
+              <a:ext uri="{FF2B5EF4-FFF2-40B4-BE49-F238E27FC236}">
+                <a16:creationId xmlns:a16="http://schemas.microsoft.com/office/drawing/2014/main" id="{3776E30F-BD47-4820-4EC6-2EB1A3BD7CAF}"/>
+              </a:ext>
+            </a:extLst>
+          </p:cNvPr>
+          <p:cNvSpPr/>
+          <p:nvPr/>
+        </p:nvSpPr>
+        <p:spPr>
+          <a:xfrm>
+            <a:off x="4847303" y="2575203"/>
+            <a:ext cx="845575" cy="501445"/>
+          </a:xfrm>
+          <a:prstGeom prst="rightArrow">
+            <a:avLst/>
+          </a:prstGeom>
+        </p:spPr>
+        <p:style>
+          <a:lnRef idx="2">
+            <a:schemeClr val="accent1">
+              <a:shade val="15000"/>
+            </a:schemeClr>
+          </a:lnRef>
+          <a:fillRef idx="1">
+            <a:schemeClr val="accent1"/>
+          </a:fillRef>
+          <a:effectRef idx="0">
+            <a:schemeClr val="accent1"/>
+          </a:effectRef>
+          <a:fontRef idx="minor">
+            <a:schemeClr val="lt1"/>
+          </a:fontRef>
+        </p:style>
+        <p:txBody>
+          <a:bodyPr rtlCol="0" anchor="ctr"/>
+          <a:lstStyle/>
+          <a:p>
+            <a:pPr algn="ctr"/>
+            <a:endParaRPr lang="en-US"/>
           </a:p>
         </p:txBody>
       </p:sp>
@@ -4764,7 +5852,7 @@
 </p:sld>
 </file>
 
-<file path=ppt/slides/slide6.xml><?xml version="1.0" encoding="utf-8"?>
+<file path=ppt/slides/slide7.xml><?xml version="1.0" encoding="utf-8"?>
 <p:sld xmlns:a="http://schemas.openxmlformats.org/drawingml/2006/main" xmlns:r="http://schemas.openxmlformats.org/officeDocument/2006/relationships" xmlns:p="http://schemas.openxmlformats.org/presentationml/2006/main">
   <p:cSld>
     <p:spTree>
@@ -4809,12 +5897,8 @@
           <a:lstStyle/>
           <a:p>
             <a:r>
-              <a:rPr lang="en-US" dirty="0" err="1"/>
-              <a:t>Fn</a:t>
-            </a:r>
-            <a:r>
               <a:rPr lang="en-US" dirty="0"/>
-              <a:t>: Find Threshold</a:t>
+              <a:t>Function: Find and plot Threshold</a:t>
             </a:r>
           </a:p>
         </p:txBody>
@@ -4862,7 +5946,7 @@
 </p:sld>
 </file>
 
-<file path=ppt/slides/slide7.xml><?xml version="1.0" encoding="utf-8"?>
+<file path=ppt/slides/slide8.xml><?xml version="1.0" encoding="utf-8"?>
 <p:sld xmlns:a="http://schemas.openxmlformats.org/drawingml/2006/main" xmlns:r="http://schemas.openxmlformats.org/officeDocument/2006/relationships" xmlns:p="http://schemas.openxmlformats.org/presentationml/2006/main">
   <p:cSld>
     <p:spTree>
@@ -5039,7 +6123,7 @@
 </p:sld>
 </file>
 
-<file path=ppt/slides/slide8.xml><?xml version="1.0" encoding="utf-8"?>
+<file path=ppt/slides/slide9.xml><?xml version="1.0" encoding="utf-8"?>
 <p:sld xmlns:a="http://schemas.openxmlformats.org/drawingml/2006/main" xmlns:r="http://schemas.openxmlformats.org/officeDocument/2006/relationships" xmlns:p="http://schemas.openxmlformats.org/presentationml/2006/main">
   <p:cSld>
     <p:spTree>
@@ -5195,182 +6279,6 @@
     <p:extLst>
       <p:ext uri="{BB962C8B-B14F-4D97-AF65-F5344CB8AC3E}">
         <p14:creationId xmlns:p14="http://schemas.microsoft.com/office/powerpoint/2010/main" val="3927953487"/>
-      </p:ext>
-    </p:extLst>
-  </p:cSld>
-  <p:clrMapOvr>
-    <a:masterClrMapping/>
-  </p:clrMapOvr>
-</p:sld>
-</file>
-
-<file path=ppt/slides/slide9.xml><?xml version="1.0" encoding="utf-8"?>
-<p:sld xmlns:a="http://schemas.openxmlformats.org/drawingml/2006/main" xmlns:r="http://schemas.openxmlformats.org/officeDocument/2006/relationships" xmlns:p="http://schemas.openxmlformats.org/presentationml/2006/main">
-  <p:cSld>
-    <p:spTree>
-      <p:nvGrpSpPr>
-        <p:cNvPr id="1" name="">
-          <a:extLst>
-            <a:ext uri="{FF2B5EF4-FFF2-40B4-BE49-F238E27FC236}">
-              <a16:creationId xmlns:a16="http://schemas.microsoft.com/office/drawing/2014/main" id="{3C9C653B-DBD8-8793-028D-A0C91A47A244}"/>
-            </a:ext>
-          </a:extLst>
-        </p:cNvPr>
-        <p:cNvGrpSpPr/>
-        <p:nvPr/>
-      </p:nvGrpSpPr>
-      <p:grpSpPr>
-        <a:xfrm>
-          <a:off x="0" y="0"/>
-          <a:ext cx="0" cy="0"/>
-          <a:chOff x="0" y="0"/>
-          <a:chExt cx="0" cy="0"/>
-        </a:xfrm>
-      </p:grpSpPr>
-      <p:sp>
-        <p:nvSpPr>
-          <p:cNvPr id="2" name="Title 1">
-            <a:extLst>
-              <a:ext uri="{FF2B5EF4-FFF2-40B4-BE49-F238E27FC236}">
-                <a16:creationId xmlns:a16="http://schemas.microsoft.com/office/drawing/2014/main" id="{DA919B9D-9972-751A-CACE-40AC42C8B7E5}"/>
-              </a:ext>
-            </a:extLst>
-          </p:cNvPr>
-          <p:cNvSpPr>
-            <a:spLocks noGrp="1"/>
-          </p:cNvSpPr>
-          <p:nvPr>
-            <p:ph type="title"/>
-          </p:nvPr>
-        </p:nvSpPr>
-        <p:spPr/>
-        <p:txBody>
-          <a:bodyPr/>
-          <a:lstStyle/>
-          <a:p>
-            <a:r>
-              <a:rPr lang="en-US" dirty="0"/>
-              <a:t>GAM Results</a:t>
-            </a:r>
-          </a:p>
-        </p:txBody>
-      </p:sp>
-      <p:sp>
-        <p:nvSpPr>
-          <p:cNvPr id="4" name="Content Placeholder 2">
-            <a:extLst>
-              <a:ext uri="{FF2B5EF4-FFF2-40B4-BE49-F238E27FC236}">
-                <a16:creationId xmlns:a16="http://schemas.microsoft.com/office/drawing/2014/main" id="{F50B59D2-7691-B307-24A5-BD4C74BE9717}"/>
-              </a:ext>
-            </a:extLst>
-          </p:cNvPr>
-          <p:cNvSpPr>
-            <a:spLocks noGrp="1"/>
-          </p:cNvSpPr>
-          <p:nvPr>
-            <p:ph idx="1"/>
-          </p:nvPr>
-        </p:nvSpPr>
-        <p:spPr>
-          <a:xfrm>
-            <a:off x="838200" y="1825625"/>
-            <a:ext cx="5257800" cy="4351338"/>
-          </a:xfrm>
-        </p:spPr>
-        <p:txBody>
-          <a:bodyPr>
-            <a:normAutofit/>
-          </a:bodyPr>
-          <a:lstStyle/>
-          <a:p>
-            <a:r>
-              <a:rPr lang="en-US" sz="1800" dirty="0"/>
-              <a:t>Threshold: 0.25</a:t>
-            </a:r>
-          </a:p>
-          <a:p>
-            <a:r>
-              <a:rPr lang="en-US" sz="1800" dirty="0"/>
-              <a:t>Accuracy: 0.73</a:t>
-            </a:r>
-          </a:p>
-          <a:p>
-            <a:r>
-              <a:rPr lang="en-US" sz="1800" dirty="0"/>
-              <a:t>F1: 0.46</a:t>
-            </a:r>
-          </a:p>
-          <a:p>
-            <a:endParaRPr lang="en-US" sz="1800" dirty="0"/>
-          </a:p>
-          <a:p>
-            <a:endParaRPr lang="en-US" sz="1800" dirty="0"/>
-          </a:p>
-        </p:txBody>
-      </p:sp>
-      <p:pic>
-        <p:nvPicPr>
-          <p:cNvPr id="6" name="Picture 5">
-            <a:extLst>
-              <a:ext uri="{FF2B5EF4-FFF2-40B4-BE49-F238E27FC236}">
-                <a16:creationId xmlns:a16="http://schemas.microsoft.com/office/drawing/2014/main" id="{72B623DA-BDA4-B75C-ED90-A5E4E868330C}"/>
-              </a:ext>
-            </a:extLst>
-          </p:cNvPr>
-          <p:cNvPicPr>
-            <a:picLocks noChangeAspect="1"/>
-          </p:cNvPicPr>
-          <p:nvPr/>
-        </p:nvPicPr>
-        <p:blipFill>
-          <a:blip r:embed="rId2"/>
-          <a:stretch>
-            <a:fillRect/>
-          </a:stretch>
-        </p:blipFill>
-        <p:spPr>
-          <a:xfrm>
-            <a:off x="1133637" y="3112424"/>
-            <a:ext cx="4163023" cy="3602495"/>
-          </a:xfrm>
-          <a:prstGeom prst="rect">
-            <a:avLst/>
-          </a:prstGeom>
-        </p:spPr>
-      </p:pic>
-      <p:pic>
-        <p:nvPicPr>
-          <p:cNvPr id="8" name="Picture 7">
-            <a:extLst>
-              <a:ext uri="{FF2B5EF4-FFF2-40B4-BE49-F238E27FC236}">
-                <a16:creationId xmlns:a16="http://schemas.microsoft.com/office/drawing/2014/main" id="{26E2B4EC-BBD6-8017-84C5-3AAACB1A2829}"/>
-              </a:ext>
-            </a:extLst>
-          </p:cNvPr>
-          <p:cNvPicPr>
-            <a:picLocks noChangeAspect="1"/>
-          </p:cNvPicPr>
-          <p:nvPr/>
-        </p:nvPicPr>
-        <p:blipFill>
-          <a:blip r:embed="rId3"/>
-          <a:srcRect b="6019"/>
-          <a:stretch/>
-        </p:blipFill>
-        <p:spPr>
-          <a:xfrm>
-            <a:off x="5592097" y="584280"/>
-            <a:ext cx="6405134" cy="5256081"/>
-          </a:xfrm>
-          <a:prstGeom prst="rect">
-            <a:avLst/>
-          </a:prstGeom>
-        </p:spPr>
-      </p:pic>
-    </p:spTree>
-    <p:extLst>
-      <p:ext uri="{BB962C8B-B14F-4D97-AF65-F5344CB8AC3E}">
-        <p14:creationId xmlns:p14="http://schemas.microsoft.com/office/powerpoint/2010/main" val="2692239016"/>
       </p:ext>
     </p:extLst>
   </p:cSld>
